--- a/20170609-李晨阳-前端路由机制的实现.pptx
+++ b/20170609-李晨阳-前端路由机制的实现.pptx
@@ -5,33 +5,33 @@
     <p:sldMasterId id="2147483648" r:id="rId1"/>
   </p:sldMasterIdLst>
   <p:notesMasterIdLst>
-    <p:notesMasterId r:id="rId4"/>
+    <p:notesMasterId r:id="rId26"/>
   </p:notesMasterIdLst>
   <p:sldIdLst>
-    <p:sldId id="256" r:id="rId3"/>
-    <p:sldId id="257" r:id="rId5"/>
-    <p:sldId id="258" r:id="rId6"/>
-    <p:sldId id="269" r:id="rId7"/>
-    <p:sldId id="298" r:id="rId8"/>
-    <p:sldId id="261" r:id="rId9"/>
-    <p:sldId id="285" r:id="rId10"/>
-    <p:sldId id="286" r:id="rId11"/>
-    <p:sldId id="287" r:id="rId12"/>
-    <p:sldId id="288" r:id="rId13"/>
-    <p:sldId id="289" r:id="rId14"/>
-    <p:sldId id="290" r:id="rId15"/>
-    <p:sldId id="291" r:id="rId16"/>
-    <p:sldId id="292" r:id="rId17"/>
-    <p:sldId id="301" r:id="rId18"/>
-    <p:sldId id="293" r:id="rId19"/>
-    <p:sldId id="302" r:id="rId20"/>
-    <p:sldId id="294" r:id="rId21"/>
-    <p:sldId id="295" r:id="rId22"/>
-    <p:sldId id="299" r:id="rId23"/>
-    <p:sldId id="300" r:id="rId24"/>
-    <p:sldId id="296" r:id="rId25"/>
-    <p:sldId id="297" r:id="rId26"/>
-    <p:sldId id="260" r:id="rId27"/>
+    <p:sldId id="256" r:id="rId2"/>
+    <p:sldId id="257" r:id="rId3"/>
+    <p:sldId id="258" r:id="rId4"/>
+    <p:sldId id="269" r:id="rId5"/>
+    <p:sldId id="298" r:id="rId6"/>
+    <p:sldId id="261" r:id="rId7"/>
+    <p:sldId id="285" r:id="rId8"/>
+    <p:sldId id="286" r:id="rId9"/>
+    <p:sldId id="287" r:id="rId10"/>
+    <p:sldId id="288" r:id="rId11"/>
+    <p:sldId id="289" r:id="rId12"/>
+    <p:sldId id="290" r:id="rId13"/>
+    <p:sldId id="291" r:id="rId14"/>
+    <p:sldId id="292" r:id="rId15"/>
+    <p:sldId id="301" r:id="rId16"/>
+    <p:sldId id="293" r:id="rId17"/>
+    <p:sldId id="302" r:id="rId18"/>
+    <p:sldId id="294" r:id="rId19"/>
+    <p:sldId id="295" r:id="rId20"/>
+    <p:sldId id="299" r:id="rId21"/>
+    <p:sldId id="300" r:id="rId22"/>
+    <p:sldId id="296" r:id="rId23"/>
+    <p:sldId id="297" r:id="rId24"/>
+    <p:sldId id="260" r:id="rId25"/>
   </p:sldIdLst>
   <p:sldSz cx="9144000" cy="5143500" type="screen16x9"/>
   <p:notesSz cx="6858000" cy="9144000"/>
@@ -215,6 +215,8 @@
           <a:p>
             <a:fld id="{E519FDC1-849A-4786-91B2-E9B7941B1978}" type="datetimeFigureOut">
               <a:rPr lang="zh-CN" altLang="en-US" smtClean="0"/>
+              <a:pPr/>
+              <a:t>2017/11/19</a:t>
             </a:fld>
             <a:endParaRPr lang="zh-CN" altLang="en-US"/>
           </a:p>
@@ -281,7 +283,6 @@
               <a:rPr lang="zh-CN" altLang="en-US" smtClean="0"/>
               <a:t>单击此处编辑母版文本样式</a:t>
             </a:r>
-            <a:endParaRPr lang="zh-CN" altLang="en-US" smtClean="0"/>
           </a:p>
           <a:p>
             <a:pPr lvl="1"/>
@@ -289,7 +290,6 @@
               <a:rPr lang="zh-CN" altLang="en-US" smtClean="0"/>
               <a:t>第二级</a:t>
             </a:r>
-            <a:endParaRPr lang="zh-CN" altLang="en-US" smtClean="0"/>
           </a:p>
           <a:p>
             <a:pPr lvl="2"/>
@@ -297,7 +297,6 @@
               <a:rPr lang="zh-CN" altLang="en-US" smtClean="0"/>
               <a:t>第三级</a:t>
             </a:r>
-            <a:endParaRPr lang="zh-CN" altLang="en-US" smtClean="0"/>
           </a:p>
           <a:p>
             <a:pPr lvl="3"/>
@@ -305,7 +304,6 @@
               <a:rPr lang="zh-CN" altLang="en-US" smtClean="0"/>
               <a:t>第四级</a:t>
             </a:r>
-            <a:endParaRPr lang="zh-CN" altLang="en-US" smtClean="0"/>
           </a:p>
           <a:p>
             <a:pPr lvl="4"/>
@@ -377,6 +375,8 @@
           <a:p>
             <a:fld id="{88C87E5B-0F20-4F7C-8AD6-D9E028DA9451}" type="slidenum">
               <a:rPr lang="zh-CN" altLang="en-US" smtClean="0"/>
+              <a:pPr/>
+              <a:t>‹#›</a:t>
             </a:fld>
             <a:endParaRPr lang="zh-CN" altLang="en-US"/>
           </a:p>
@@ -545,6 +545,8 @@
           <a:p>
             <a:fld id="{88C87E5B-0F20-4F7C-8AD6-D9E028DA9451}" type="slidenum">
               <a:rPr lang="zh-CN" altLang="en-US" smtClean="0"/>
+              <a:pPr/>
+              <a:t>1</a:t>
             </a:fld>
             <a:endParaRPr lang="zh-CN" altLang="en-US"/>
           </a:p>
@@ -623,6 +625,8 @@
           <a:p>
             <a:fld id="{88C87E5B-0F20-4F7C-8AD6-D9E028DA9451}" type="slidenum">
               <a:rPr lang="zh-CN" altLang="en-US" smtClean="0"/>
+              <a:pPr/>
+              <a:t>10</a:t>
             </a:fld>
             <a:endParaRPr lang="zh-CN" altLang="en-US"/>
           </a:p>
@@ -701,6 +705,8 @@
           <a:p>
             <a:fld id="{88C87E5B-0F20-4F7C-8AD6-D9E028DA9451}" type="slidenum">
               <a:rPr lang="zh-CN" altLang="en-US" smtClean="0"/>
+              <a:pPr/>
+              <a:t>11</a:t>
             </a:fld>
             <a:endParaRPr lang="zh-CN" altLang="en-US"/>
           </a:p>
@@ -779,6 +785,8 @@
           <a:p>
             <a:fld id="{88C87E5B-0F20-4F7C-8AD6-D9E028DA9451}" type="slidenum">
               <a:rPr lang="zh-CN" altLang="en-US" smtClean="0"/>
+              <a:pPr/>
+              <a:t>12</a:t>
             </a:fld>
             <a:endParaRPr lang="zh-CN" altLang="en-US"/>
           </a:p>
@@ -857,6 +865,8 @@
           <a:p>
             <a:fld id="{88C87E5B-0F20-4F7C-8AD6-D9E028DA9451}" type="slidenum">
               <a:rPr lang="zh-CN" altLang="en-US" smtClean="0"/>
+              <a:pPr/>
+              <a:t>13</a:t>
             </a:fld>
             <a:endParaRPr lang="zh-CN" altLang="en-US"/>
           </a:p>
@@ -935,6 +945,8 @@
           <a:p>
             <a:fld id="{88C87E5B-0F20-4F7C-8AD6-D9E028DA9451}" type="slidenum">
               <a:rPr lang="zh-CN" altLang="en-US" smtClean="0"/>
+              <a:pPr/>
+              <a:t>14</a:t>
             </a:fld>
             <a:endParaRPr lang="zh-CN" altLang="en-US"/>
           </a:p>
@@ -1013,6 +1025,8 @@
           <a:p>
             <a:fld id="{88C87E5B-0F20-4F7C-8AD6-D9E028DA9451}" type="slidenum">
               <a:rPr lang="zh-CN" altLang="en-US" smtClean="0"/>
+              <a:pPr/>
+              <a:t>15</a:t>
             </a:fld>
             <a:endParaRPr lang="zh-CN" altLang="en-US"/>
           </a:p>
@@ -1091,6 +1105,8 @@
           <a:p>
             <a:fld id="{88C87E5B-0F20-4F7C-8AD6-D9E028DA9451}" type="slidenum">
               <a:rPr lang="zh-CN" altLang="en-US" smtClean="0"/>
+              <a:pPr/>
+              <a:t>16</a:t>
             </a:fld>
             <a:endParaRPr lang="zh-CN" altLang="en-US"/>
           </a:p>
@@ -1169,6 +1185,8 @@
           <a:p>
             <a:fld id="{88C87E5B-0F20-4F7C-8AD6-D9E028DA9451}" type="slidenum">
               <a:rPr lang="zh-CN" altLang="en-US" smtClean="0"/>
+              <a:pPr/>
+              <a:t>17</a:t>
             </a:fld>
             <a:endParaRPr lang="zh-CN" altLang="en-US"/>
           </a:p>
@@ -1247,6 +1265,8 @@
           <a:p>
             <a:fld id="{88C87E5B-0F20-4F7C-8AD6-D9E028DA9451}" type="slidenum">
               <a:rPr lang="zh-CN" altLang="en-US" smtClean="0"/>
+              <a:pPr/>
+              <a:t>18</a:t>
             </a:fld>
             <a:endParaRPr lang="zh-CN" altLang="en-US"/>
           </a:p>
@@ -1325,6 +1345,8 @@
           <a:p>
             <a:fld id="{88C87E5B-0F20-4F7C-8AD6-D9E028DA9451}" type="slidenum">
               <a:rPr lang="zh-CN" altLang="en-US" smtClean="0"/>
+              <a:pPr/>
+              <a:t>19</a:t>
             </a:fld>
             <a:endParaRPr lang="zh-CN" altLang="en-US"/>
           </a:p>
@@ -1403,6 +1425,8 @@
           <a:p>
             <a:fld id="{88C87E5B-0F20-4F7C-8AD6-D9E028DA9451}" type="slidenum">
               <a:rPr lang="zh-CN" altLang="en-US" smtClean="0"/>
+              <a:pPr/>
+              <a:t>2</a:t>
             </a:fld>
             <a:endParaRPr lang="zh-CN" altLang="en-US"/>
           </a:p>
@@ -1481,6 +1505,8 @@
           <a:p>
             <a:fld id="{88C87E5B-0F20-4F7C-8AD6-D9E028DA9451}" type="slidenum">
               <a:rPr lang="zh-CN" altLang="en-US" smtClean="0"/>
+              <a:pPr/>
+              <a:t>20</a:t>
             </a:fld>
             <a:endParaRPr lang="zh-CN" altLang="en-US"/>
           </a:p>
@@ -1559,6 +1585,8 @@
           <a:p>
             <a:fld id="{88C87E5B-0F20-4F7C-8AD6-D9E028DA9451}" type="slidenum">
               <a:rPr lang="zh-CN" altLang="en-US" smtClean="0"/>
+              <a:pPr/>
+              <a:t>21</a:t>
             </a:fld>
             <a:endParaRPr lang="zh-CN" altLang="en-US"/>
           </a:p>
@@ -1637,6 +1665,8 @@
           <a:p>
             <a:fld id="{88C87E5B-0F20-4F7C-8AD6-D9E028DA9451}" type="slidenum">
               <a:rPr lang="zh-CN" altLang="en-US" smtClean="0"/>
+              <a:pPr/>
+              <a:t>22</a:t>
             </a:fld>
             <a:endParaRPr lang="zh-CN" altLang="en-US"/>
           </a:p>
@@ -1715,6 +1745,8 @@
           <a:p>
             <a:fld id="{88C87E5B-0F20-4F7C-8AD6-D9E028DA9451}" type="slidenum">
               <a:rPr lang="zh-CN" altLang="en-US" smtClean="0"/>
+              <a:pPr/>
+              <a:t>23</a:t>
             </a:fld>
             <a:endParaRPr lang="zh-CN" altLang="en-US"/>
           </a:p>
@@ -1793,6 +1825,8 @@
           <a:p>
             <a:fld id="{88C87E5B-0F20-4F7C-8AD6-D9E028DA9451}" type="slidenum">
               <a:rPr lang="zh-CN" altLang="en-US" smtClean="0"/>
+              <a:pPr/>
+              <a:t>3</a:t>
             </a:fld>
             <a:endParaRPr lang="zh-CN" altLang="en-US"/>
           </a:p>
@@ -1871,6 +1905,8 @@
           <a:p>
             <a:fld id="{88C87E5B-0F20-4F7C-8AD6-D9E028DA9451}" type="slidenum">
               <a:rPr lang="zh-CN" altLang="en-US" smtClean="0"/>
+              <a:pPr/>
+              <a:t>4</a:t>
             </a:fld>
             <a:endParaRPr lang="zh-CN" altLang="en-US"/>
           </a:p>
@@ -1949,6 +1985,8 @@
           <a:p>
             <a:fld id="{88C87E5B-0F20-4F7C-8AD6-D9E028DA9451}" type="slidenum">
               <a:rPr lang="zh-CN" altLang="en-US" smtClean="0"/>
+              <a:pPr/>
+              <a:t>5</a:t>
             </a:fld>
             <a:endParaRPr lang="zh-CN" altLang="en-US"/>
           </a:p>
@@ -2027,6 +2065,8 @@
           <a:p>
             <a:fld id="{88C87E5B-0F20-4F7C-8AD6-D9E028DA9451}" type="slidenum">
               <a:rPr lang="zh-CN" altLang="en-US" smtClean="0"/>
+              <a:pPr/>
+              <a:t>6</a:t>
             </a:fld>
             <a:endParaRPr lang="zh-CN" altLang="en-US"/>
           </a:p>
@@ -2105,6 +2145,8 @@
           <a:p>
             <a:fld id="{88C87E5B-0F20-4F7C-8AD6-D9E028DA9451}" type="slidenum">
               <a:rPr lang="zh-CN" altLang="en-US" smtClean="0"/>
+              <a:pPr/>
+              <a:t>7</a:t>
             </a:fld>
             <a:endParaRPr lang="zh-CN" altLang="en-US"/>
           </a:p>
@@ -2183,6 +2225,8 @@
           <a:p>
             <a:fld id="{88C87E5B-0F20-4F7C-8AD6-D9E028DA9451}" type="slidenum">
               <a:rPr lang="zh-CN" altLang="en-US" smtClean="0"/>
+              <a:pPr/>
+              <a:t>8</a:t>
             </a:fld>
             <a:endParaRPr lang="zh-CN" altLang="en-US"/>
           </a:p>
@@ -2261,6 +2305,8 @@
           <a:p>
             <a:fld id="{88C87E5B-0F20-4F7C-8AD6-D9E028DA9451}" type="slidenum">
               <a:rPr lang="zh-CN" altLang="en-US" smtClean="0"/>
+              <a:pPr/>
+              <a:t>9</a:t>
             </a:fld>
             <a:endParaRPr lang="zh-CN" altLang="en-US"/>
           </a:p>
@@ -2455,6 +2501,8 @@
           <a:p>
             <a:fld id="{2E571772-1647-9049-B992-899B6557F886}" type="datetimeFigureOut">
               <a:rPr kumimoji="1" lang="zh-CN" altLang="en-US" smtClean="0"/>
+              <a:pPr/>
+              <a:t>2017/11/19</a:t>
             </a:fld>
             <a:endParaRPr kumimoji="1" lang="zh-CN" altLang="en-US"/>
           </a:p>
@@ -2496,6 +2544,8 @@
           <a:p>
             <a:fld id="{71289D3C-84AE-8140-9C86-5A935F100BC3}" type="slidenum">
               <a:rPr kumimoji="1" lang="zh-CN" altLang="en-US" smtClean="0"/>
+              <a:pPr/>
+              <a:t>‹#›</a:t>
             </a:fld>
             <a:endParaRPr kumimoji="1" lang="zh-CN" altLang="en-US"/>
           </a:p>
@@ -2569,7 +2619,6 @@
               <a:rPr kumimoji="1" lang="zh-CN" altLang="x-none" smtClean="0"/>
               <a:t>单击此处编辑母版文本样式</a:t>
             </a:r>
-            <a:endParaRPr kumimoji="1" lang="zh-CN" altLang="x-none" smtClean="0"/>
           </a:p>
           <a:p>
             <a:pPr lvl="1"/>
@@ -2577,7 +2626,6 @@
               <a:rPr kumimoji="1" lang="zh-CN" altLang="x-none" smtClean="0"/>
               <a:t>二级</a:t>
             </a:r>
-            <a:endParaRPr kumimoji="1" lang="zh-CN" altLang="x-none" smtClean="0"/>
           </a:p>
           <a:p>
             <a:pPr lvl="2"/>
@@ -2585,7 +2633,6 @@
               <a:rPr kumimoji="1" lang="zh-CN" altLang="x-none" smtClean="0"/>
               <a:t>三级</a:t>
             </a:r>
-            <a:endParaRPr kumimoji="1" lang="zh-CN" altLang="x-none" smtClean="0"/>
           </a:p>
           <a:p>
             <a:pPr lvl="3"/>
@@ -2593,7 +2640,6 @@
               <a:rPr kumimoji="1" lang="zh-CN" altLang="x-none" smtClean="0"/>
               <a:t>四级</a:t>
             </a:r>
-            <a:endParaRPr kumimoji="1" lang="zh-CN" altLang="x-none" smtClean="0"/>
           </a:p>
           <a:p>
             <a:pPr lvl="4"/>
@@ -2622,6 +2668,8 @@
           <a:p>
             <a:fld id="{2E571772-1647-9049-B992-899B6557F886}" type="datetimeFigureOut">
               <a:rPr kumimoji="1" lang="zh-CN" altLang="en-US" smtClean="0"/>
+              <a:pPr/>
+              <a:t>2017/11/19</a:t>
             </a:fld>
             <a:endParaRPr kumimoji="1" lang="zh-CN" altLang="en-US"/>
           </a:p>
@@ -2663,6 +2711,8 @@
           <a:p>
             <a:fld id="{71289D3C-84AE-8140-9C86-5A935F100BC3}" type="slidenum">
               <a:rPr kumimoji="1" lang="zh-CN" altLang="en-US" smtClean="0"/>
+              <a:pPr/>
+              <a:t>‹#›</a:t>
             </a:fld>
             <a:endParaRPr kumimoji="1" lang="zh-CN" altLang="en-US"/>
           </a:p>
@@ -2746,7 +2796,6 @@
               <a:rPr kumimoji="1" lang="zh-CN" altLang="x-none" smtClean="0"/>
               <a:t>单击此处编辑母版文本样式</a:t>
             </a:r>
-            <a:endParaRPr kumimoji="1" lang="zh-CN" altLang="x-none" smtClean="0"/>
           </a:p>
           <a:p>
             <a:pPr lvl="1"/>
@@ -2754,7 +2803,6 @@
               <a:rPr kumimoji="1" lang="zh-CN" altLang="x-none" smtClean="0"/>
               <a:t>二级</a:t>
             </a:r>
-            <a:endParaRPr kumimoji="1" lang="zh-CN" altLang="x-none" smtClean="0"/>
           </a:p>
           <a:p>
             <a:pPr lvl="2"/>
@@ -2762,7 +2810,6 @@
               <a:rPr kumimoji="1" lang="zh-CN" altLang="x-none" smtClean="0"/>
               <a:t>三级</a:t>
             </a:r>
-            <a:endParaRPr kumimoji="1" lang="zh-CN" altLang="x-none" smtClean="0"/>
           </a:p>
           <a:p>
             <a:pPr lvl="3"/>
@@ -2770,7 +2817,6 @@
               <a:rPr kumimoji="1" lang="zh-CN" altLang="x-none" smtClean="0"/>
               <a:t>四级</a:t>
             </a:r>
-            <a:endParaRPr kumimoji="1" lang="zh-CN" altLang="x-none" smtClean="0"/>
           </a:p>
           <a:p>
             <a:pPr lvl="4"/>
@@ -2799,6 +2845,8 @@
           <a:p>
             <a:fld id="{2E571772-1647-9049-B992-899B6557F886}" type="datetimeFigureOut">
               <a:rPr kumimoji="1" lang="zh-CN" altLang="en-US" smtClean="0"/>
+              <a:pPr/>
+              <a:t>2017/11/19</a:t>
             </a:fld>
             <a:endParaRPr kumimoji="1" lang="zh-CN" altLang="en-US"/>
           </a:p>
@@ -2840,6 +2888,8 @@
           <a:p>
             <a:fld id="{71289D3C-84AE-8140-9C86-5A935F100BC3}" type="slidenum">
               <a:rPr kumimoji="1" lang="zh-CN" altLang="en-US" smtClean="0"/>
+              <a:pPr/>
+              <a:t>‹#›</a:t>
             </a:fld>
             <a:endParaRPr kumimoji="1" lang="zh-CN" altLang="en-US"/>
           </a:p>
@@ -2913,7 +2963,6 @@
               <a:rPr kumimoji="1" lang="zh-CN" altLang="x-none" smtClean="0"/>
               <a:t>单击此处编辑母版文本样式</a:t>
             </a:r>
-            <a:endParaRPr kumimoji="1" lang="zh-CN" altLang="x-none" smtClean="0"/>
           </a:p>
           <a:p>
             <a:pPr lvl="1"/>
@@ -2921,7 +2970,6 @@
               <a:rPr kumimoji="1" lang="zh-CN" altLang="x-none" smtClean="0"/>
               <a:t>二级</a:t>
             </a:r>
-            <a:endParaRPr kumimoji="1" lang="zh-CN" altLang="x-none" smtClean="0"/>
           </a:p>
           <a:p>
             <a:pPr lvl="2"/>
@@ -2929,7 +2977,6 @@
               <a:rPr kumimoji="1" lang="zh-CN" altLang="x-none" smtClean="0"/>
               <a:t>三级</a:t>
             </a:r>
-            <a:endParaRPr kumimoji="1" lang="zh-CN" altLang="x-none" smtClean="0"/>
           </a:p>
           <a:p>
             <a:pPr lvl="3"/>
@@ -2937,7 +2984,6 @@
               <a:rPr kumimoji="1" lang="zh-CN" altLang="x-none" smtClean="0"/>
               <a:t>四级</a:t>
             </a:r>
-            <a:endParaRPr kumimoji="1" lang="zh-CN" altLang="x-none" smtClean="0"/>
           </a:p>
           <a:p>
             <a:pPr lvl="4"/>
@@ -2966,6 +3012,8 @@
           <a:p>
             <a:fld id="{2E571772-1647-9049-B992-899B6557F886}" type="datetimeFigureOut">
               <a:rPr kumimoji="1" lang="zh-CN" altLang="en-US" smtClean="0"/>
+              <a:pPr/>
+              <a:t>2017/11/19</a:t>
             </a:fld>
             <a:endParaRPr kumimoji="1" lang="zh-CN" altLang="en-US"/>
           </a:p>
@@ -3007,6 +3055,8 @@
           <a:p>
             <a:fld id="{71289D3C-84AE-8140-9C86-5A935F100BC3}" type="slidenum">
               <a:rPr kumimoji="1" lang="zh-CN" altLang="en-US" smtClean="0"/>
+              <a:pPr/>
+              <a:t>‹#›</a:t>
             </a:fld>
             <a:endParaRPr kumimoji="1" lang="zh-CN" altLang="en-US"/>
           </a:p>
@@ -3185,7 +3235,6 @@
               <a:rPr kumimoji="1" lang="zh-CN" altLang="x-none" smtClean="0"/>
               <a:t>单击此处编辑母版文本样式</a:t>
             </a:r>
-            <a:endParaRPr kumimoji="1" lang="zh-CN" altLang="x-none" smtClean="0"/>
           </a:p>
         </p:txBody>
       </p:sp>
@@ -3206,6 +3255,8 @@
           <a:p>
             <a:fld id="{2E571772-1647-9049-B992-899B6557F886}" type="datetimeFigureOut">
               <a:rPr kumimoji="1" lang="zh-CN" altLang="en-US" smtClean="0"/>
+              <a:pPr/>
+              <a:t>2017/11/19</a:t>
             </a:fld>
             <a:endParaRPr kumimoji="1" lang="zh-CN" altLang="en-US"/>
           </a:p>
@@ -3247,6 +3298,8 @@
           <a:p>
             <a:fld id="{71289D3C-84AE-8140-9C86-5A935F100BC3}" type="slidenum">
               <a:rPr kumimoji="1" lang="zh-CN" altLang="en-US" smtClean="0"/>
+              <a:pPr/>
+              <a:t>‹#›</a:t>
             </a:fld>
             <a:endParaRPr kumimoji="1" lang="zh-CN" altLang="en-US"/>
           </a:p>
@@ -3353,7 +3406,6 @@
               <a:rPr kumimoji="1" lang="zh-CN" altLang="x-none" smtClean="0"/>
               <a:t>单击此处编辑母版文本样式</a:t>
             </a:r>
-            <a:endParaRPr kumimoji="1" lang="zh-CN" altLang="x-none" smtClean="0"/>
           </a:p>
           <a:p>
             <a:pPr lvl="1"/>
@@ -3361,7 +3413,6 @@
               <a:rPr kumimoji="1" lang="zh-CN" altLang="x-none" smtClean="0"/>
               <a:t>二级</a:t>
             </a:r>
-            <a:endParaRPr kumimoji="1" lang="zh-CN" altLang="x-none" smtClean="0"/>
           </a:p>
           <a:p>
             <a:pPr lvl="2"/>
@@ -3369,7 +3420,6 @@
               <a:rPr kumimoji="1" lang="zh-CN" altLang="x-none" smtClean="0"/>
               <a:t>三级</a:t>
             </a:r>
-            <a:endParaRPr kumimoji="1" lang="zh-CN" altLang="x-none" smtClean="0"/>
           </a:p>
           <a:p>
             <a:pPr lvl="3"/>
@@ -3377,7 +3427,6 @@
               <a:rPr kumimoji="1" lang="zh-CN" altLang="x-none" smtClean="0"/>
               <a:t>四级</a:t>
             </a:r>
-            <a:endParaRPr kumimoji="1" lang="zh-CN" altLang="x-none" smtClean="0"/>
           </a:p>
           <a:p>
             <a:pPr lvl="4"/>
@@ -3442,7 +3491,6 @@
               <a:rPr kumimoji="1" lang="zh-CN" altLang="x-none" smtClean="0"/>
               <a:t>单击此处编辑母版文本样式</a:t>
             </a:r>
-            <a:endParaRPr kumimoji="1" lang="zh-CN" altLang="x-none" smtClean="0"/>
           </a:p>
           <a:p>
             <a:pPr lvl="1"/>
@@ -3450,7 +3498,6 @@
               <a:rPr kumimoji="1" lang="zh-CN" altLang="x-none" smtClean="0"/>
               <a:t>二级</a:t>
             </a:r>
-            <a:endParaRPr kumimoji="1" lang="zh-CN" altLang="x-none" smtClean="0"/>
           </a:p>
           <a:p>
             <a:pPr lvl="2"/>
@@ -3458,7 +3505,6 @@
               <a:rPr kumimoji="1" lang="zh-CN" altLang="x-none" smtClean="0"/>
               <a:t>三级</a:t>
             </a:r>
-            <a:endParaRPr kumimoji="1" lang="zh-CN" altLang="x-none" smtClean="0"/>
           </a:p>
           <a:p>
             <a:pPr lvl="3"/>
@@ -3466,7 +3512,6 @@
               <a:rPr kumimoji="1" lang="zh-CN" altLang="x-none" smtClean="0"/>
               <a:t>四级</a:t>
             </a:r>
-            <a:endParaRPr kumimoji="1" lang="zh-CN" altLang="x-none" smtClean="0"/>
           </a:p>
           <a:p>
             <a:pPr lvl="4"/>
@@ -3495,6 +3540,8 @@
           <a:p>
             <a:fld id="{2E571772-1647-9049-B992-899B6557F886}" type="datetimeFigureOut">
               <a:rPr kumimoji="1" lang="zh-CN" altLang="en-US" smtClean="0"/>
+              <a:pPr/>
+              <a:t>2017/11/19</a:t>
             </a:fld>
             <a:endParaRPr kumimoji="1" lang="zh-CN" altLang="en-US"/>
           </a:p>
@@ -3536,6 +3583,8 @@
           <a:p>
             <a:fld id="{71289D3C-84AE-8140-9C86-5A935F100BC3}" type="slidenum">
               <a:rPr kumimoji="1" lang="zh-CN" altLang="en-US" smtClean="0"/>
+              <a:pPr/>
+              <a:t>‹#›</a:t>
             </a:fld>
             <a:endParaRPr kumimoji="1" lang="zh-CN" altLang="en-US"/>
           </a:p>
@@ -3660,7 +3709,6 @@
               <a:rPr kumimoji="1" lang="zh-CN" altLang="x-none" smtClean="0"/>
               <a:t>单击此处编辑母版文本样式</a:t>
             </a:r>
-            <a:endParaRPr kumimoji="1" lang="zh-CN" altLang="x-none" smtClean="0"/>
           </a:p>
         </p:txBody>
       </p:sp>
@@ -3717,7 +3765,6 @@
               <a:rPr kumimoji="1" lang="zh-CN" altLang="x-none" smtClean="0"/>
               <a:t>单击此处编辑母版文本样式</a:t>
             </a:r>
-            <a:endParaRPr kumimoji="1" lang="zh-CN" altLang="x-none" smtClean="0"/>
           </a:p>
           <a:p>
             <a:pPr lvl="1"/>
@@ -3725,7 +3772,6 @@
               <a:rPr kumimoji="1" lang="zh-CN" altLang="x-none" smtClean="0"/>
               <a:t>二级</a:t>
             </a:r>
-            <a:endParaRPr kumimoji="1" lang="zh-CN" altLang="x-none" smtClean="0"/>
           </a:p>
           <a:p>
             <a:pPr lvl="2"/>
@@ -3733,7 +3779,6 @@
               <a:rPr kumimoji="1" lang="zh-CN" altLang="x-none" smtClean="0"/>
               <a:t>三级</a:t>
             </a:r>
-            <a:endParaRPr kumimoji="1" lang="zh-CN" altLang="x-none" smtClean="0"/>
           </a:p>
           <a:p>
             <a:pPr lvl="3"/>
@@ -3741,7 +3786,6 @@
               <a:rPr kumimoji="1" lang="zh-CN" altLang="x-none" smtClean="0"/>
               <a:t>四级</a:t>
             </a:r>
-            <a:endParaRPr kumimoji="1" lang="zh-CN" altLang="x-none" smtClean="0"/>
           </a:p>
           <a:p>
             <a:pPr lvl="4"/>
@@ -3815,7 +3859,6 @@
               <a:rPr kumimoji="1" lang="zh-CN" altLang="x-none" smtClean="0"/>
               <a:t>单击此处编辑母版文本样式</a:t>
             </a:r>
-            <a:endParaRPr kumimoji="1" lang="zh-CN" altLang="x-none" smtClean="0"/>
           </a:p>
         </p:txBody>
       </p:sp>
@@ -3872,7 +3915,6 @@
               <a:rPr kumimoji="1" lang="zh-CN" altLang="x-none" smtClean="0"/>
               <a:t>单击此处编辑母版文本样式</a:t>
             </a:r>
-            <a:endParaRPr kumimoji="1" lang="zh-CN" altLang="x-none" smtClean="0"/>
           </a:p>
           <a:p>
             <a:pPr lvl="1"/>
@@ -3880,7 +3922,6 @@
               <a:rPr kumimoji="1" lang="zh-CN" altLang="x-none" smtClean="0"/>
               <a:t>二级</a:t>
             </a:r>
-            <a:endParaRPr kumimoji="1" lang="zh-CN" altLang="x-none" smtClean="0"/>
           </a:p>
           <a:p>
             <a:pPr lvl="2"/>
@@ -3888,7 +3929,6 @@
               <a:rPr kumimoji="1" lang="zh-CN" altLang="x-none" smtClean="0"/>
               <a:t>三级</a:t>
             </a:r>
-            <a:endParaRPr kumimoji="1" lang="zh-CN" altLang="x-none" smtClean="0"/>
           </a:p>
           <a:p>
             <a:pPr lvl="3"/>
@@ -3896,7 +3936,6 @@
               <a:rPr kumimoji="1" lang="zh-CN" altLang="x-none" smtClean="0"/>
               <a:t>四级</a:t>
             </a:r>
-            <a:endParaRPr kumimoji="1" lang="zh-CN" altLang="x-none" smtClean="0"/>
           </a:p>
           <a:p>
             <a:pPr lvl="4"/>
@@ -3925,6 +3964,8 @@
           <a:p>
             <a:fld id="{2E571772-1647-9049-B992-899B6557F886}" type="datetimeFigureOut">
               <a:rPr kumimoji="1" lang="zh-CN" altLang="en-US" smtClean="0"/>
+              <a:pPr/>
+              <a:t>2017/11/19</a:t>
             </a:fld>
             <a:endParaRPr kumimoji="1" lang="zh-CN" altLang="en-US"/>
           </a:p>
@@ -3966,6 +4007,8 @@
           <a:p>
             <a:fld id="{71289D3C-84AE-8140-9C86-5A935F100BC3}" type="slidenum">
               <a:rPr kumimoji="1" lang="zh-CN" altLang="en-US" smtClean="0"/>
+              <a:pPr/>
+              <a:t>‹#›</a:t>
             </a:fld>
             <a:endParaRPr kumimoji="1" lang="zh-CN" altLang="en-US"/>
           </a:p>
@@ -4036,6 +4079,8 @@
           <a:p>
             <a:fld id="{2E571772-1647-9049-B992-899B6557F886}" type="datetimeFigureOut">
               <a:rPr kumimoji="1" lang="zh-CN" altLang="en-US" smtClean="0"/>
+              <a:pPr/>
+              <a:t>2017/11/19</a:t>
             </a:fld>
             <a:endParaRPr kumimoji="1" lang="zh-CN" altLang="en-US"/>
           </a:p>
@@ -4077,6 +4122,8 @@
           <a:p>
             <a:fld id="{71289D3C-84AE-8140-9C86-5A935F100BC3}" type="slidenum">
               <a:rPr kumimoji="1" lang="zh-CN" altLang="en-US" smtClean="0"/>
+              <a:pPr/>
+              <a:t>‹#›</a:t>
             </a:fld>
             <a:endParaRPr kumimoji="1" lang="zh-CN" altLang="en-US"/>
           </a:p>
@@ -4124,6 +4171,8 @@
           <a:p>
             <a:fld id="{2E571772-1647-9049-B992-899B6557F886}" type="datetimeFigureOut">
               <a:rPr kumimoji="1" lang="zh-CN" altLang="en-US" smtClean="0"/>
+              <a:pPr/>
+              <a:t>2017/11/19</a:t>
             </a:fld>
             <a:endParaRPr kumimoji="1" lang="zh-CN" altLang="en-US"/>
           </a:p>
@@ -4165,6 +4214,8 @@
           <a:p>
             <a:fld id="{71289D3C-84AE-8140-9C86-5A935F100BC3}" type="slidenum">
               <a:rPr kumimoji="1" lang="zh-CN" altLang="en-US" smtClean="0"/>
+              <a:pPr/>
+              <a:t>‹#›</a:t>
             </a:fld>
             <a:endParaRPr kumimoji="1" lang="zh-CN" altLang="en-US"/>
           </a:p>
@@ -4280,7 +4331,6 @@
               <a:rPr kumimoji="1" lang="zh-CN" altLang="x-none" smtClean="0"/>
               <a:t>单击此处编辑母版文本样式</a:t>
             </a:r>
-            <a:endParaRPr kumimoji="1" lang="zh-CN" altLang="x-none" smtClean="0"/>
           </a:p>
           <a:p>
             <a:pPr lvl="1"/>
@@ -4288,7 +4338,6 @@
               <a:rPr kumimoji="1" lang="zh-CN" altLang="x-none" smtClean="0"/>
               <a:t>二级</a:t>
             </a:r>
-            <a:endParaRPr kumimoji="1" lang="zh-CN" altLang="x-none" smtClean="0"/>
           </a:p>
           <a:p>
             <a:pPr lvl="2"/>
@@ -4296,7 +4345,6 @@
               <a:rPr kumimoji="1" lang="zh-CN" altLang="x-none" smtClean="0"/>
               <a:t>三级</a:t>
             </a:r>
-            <a:endParaRPr kumimoji="1" lang="zh-CN" altLang="x-none" smtClean="0"/>
           </a:p>
           <a:p>
             <a:pPr lvl="3"/>
@@ -4304,7 +4352,6 @@
               <a:rPr kumimoji="1" lang="zh-CN" altLang="x-none" smtClean="0"/>
               <a:t>四级</a:t>
             </a:r>
-            <a:endParaRPr kumimoji="1" lang="zh-CN" altLang="x-none" smtClean="0"/>
           </a:p>
           <a:p>
             <a:pPr lvl="4"/>
@@ -4378,7 +4425,6 @@
               <a:rPr kumimoji="1" lang="zh-CN" altLang="x-none" smtClean="0"/>
               <a:t>单击此处编辑母版文本样式</a:t>
             </a:r>
-            <a:endParaRPr kumimoji="1" lang="zh-CN" altLang="x-none" smtClean="0"/>
           </a:p>
         </p:txBody>
       </p:sp>
@@ -4399,6 +4445,8 @@
           <a:p>
             <a:fld id="{2E571772-1647-9049-B992-899B6557F886}" type="datetimeFigureOut">
               <a:rPr kumimoji="1" lang="zh-CN" altLang="en-US" smtClean="0"/>
+              <a:pPr/>
+              <a:t>2017/11/19</a:t>
             </a:fld>
             <a:endParaRPr kumimoji="1" lang="zh-CN" altLang="en-US"/>
           </a:p>
@@ -4440,6 +4488,8 @@
           <a:p>
             <a:fld id="{71289D3C-84AE-8140-9C86-5A935F100BC3}" type="slidenum">
               <a:rPr kumimoji="1" lang="zh-CN" altLang="en-US" smtClean="0"/>
+              <a:pPr/>
+              <a:t>‹#›</a:t>
             </a:fld>
             <a:endParaRPr kumimoji="1" lang="zh-CN" altLang="en-US"/>
           </a:p>
@@ -4625,7 +4675,6 @@
               <a:rPr kumimoji="1" lang="zh-CN" altLang="x-none" smtClean="0"/>
               <a:t>单击此处编辑母版文本样式</a:t>
             </a:r>
-            <a:endParaRPr kumimoji="1" lang="zh-CN" altLang="x-none" smtClean="0"/>
           </a:p>
         </p:txBody>
       </p:sp>
@@ -4646,6 +4695,8 @@
           <a:p>
             <a:fld id="{2E571772-1647-9049-B992-899B6557F886}" type="datetimeFigureOut">
               <a:rPr kumimoji="1" lang="zh-CN" altLang="en-US" smtClean="0"/>
+              <a:pPr/>
+              <a:t>2017/11/19</a:t>
             </a:fld>
             <a:endParaRPr kumimoji="1" lang="zh-CN" altLang="en-US"/>
           </a:p>
@@ -4687,6 +4738,8 @@
           <a:p>
             <a:fld id="{71289D3C-84AE-8140-9C86-5A935F100BC3}" type="slidenum">
               <a:rPr kumimoji="1" lang="zh-CN" altLang="en-US" smtClean="0"/>
+              <a:pPr/>
+              <a:t>‹#›</a:t>
             </a:fld>
             <a:endParaRPr kumimoji="1" lang="zh-CN" altLang="en-US"/>
           </a:p>
@@ -4785,7 +4838,6 @@
               <a:rPr kumimoji="1" lang="zh-CN" altLang="x-none" smtClean="0"/>
               <a:t>单击此处编辑母版文本样式</a:t>
             </a:r>
-            <a:endParaRPr kumimoji="1" lang="zh-CN" altLang="x-none" smtClean="0"/>
           </a:p>
           <a:p>
             <a:pPr lvl="1"/>
@@ -4793,7 +4845,6 @@
               <a:rPr kumimoji="1" lang="zh-CN" altLang="x-none" smtClean="0"/>
               <a:t>二级</a:t>
             </a:r>
-            <a:endParaRPr kumimoji="1" lang="zh-CN" altLang="x-none" smtClean="0"/>
           </a:p>
           <a:p>
             <a:pPr lvl="2"/>
@@ -4801,7 +4852,6 @@
               <a:rPr kumimoji="1" lang="zh-CN" altLang="x-none" smtClean="0"/>
               <a:t>三级</a:t>
             </a:r>
-            <a:endParaRPr kumimoji="1" lang="zh-CN" altLang="x-none" smtClean="0"/>
           </a:p>
           <a:p>
             <a:pPr lvl="3"/>
@@ -4809,7 +4859,6 @@
               <a:rPr kumimoji="1" lang="zh-CN" altLang="x-none" smtClean="0"/>
               <a:t>四级</a:t>
             </a:r>
-            <a:endParaRPr kumimoji="1" lang="zh-CN" altLang="x-none" smtClean="0"/>
           </a:p>
           <a:p>
             <a:pPr lvl="4"/>
@@ -4856,6 +4905,8 @@
           <a:p>
             <a:fld id="{2E571772-1647-9049-B992-899B6557F886}" type="datetimeFigureOut">
               <a:rPr kumimoji="1" lang="zh-CN" altLang="en-US" smtClean="0"/>
+              <a:pPr/>
+              <a:t>2017/11/19</a:t>
             </a:fld>
             <a:endParaRPr kumimoji="1" lang="zh-CN" altLang="en-US"/>
           </a:p>
@@ -4933,6 +4984,8 @@
           <a:p>
             <a:fld id="{71289D3C-84AE-8140-9C86-5A935F100BC3}" type="slidenum">
               <a:rPr kumimoji="1" lang="zh-CN" altLang="en-US" smtClean="0"/>
+              <a:pPr/>
+              <a:t>‹#›</a:t>
             </a:fld>
             <a:endParaRPr kumimoji="1" lang="zh-CN" altLang="en-US"/>
           </a:p>
@@ -5252,10 +5305,10 @@
           <p:nvPr/>
         </p:nvPicPr>
         <p:blipFill>
-          <a:blip r:embed="rId1">
+          <a:blip r:embed="rId3">
             <a:extLst>
               <a:ext uri="{28A0092B-C50C-407E-A947-70E740481C1C}">
-                <a14:useLocalDpi xmlns:a14="http://schemas.microsoft.com/office/drawing/2010/main" val="0"/>
+                <a14:useLocalDpi xmlns:a14="http://schemas.microsoft.com/office/drawing/2010/main" xmlns="" val="0"/>
               </a:ext>
             </a:extLst>
           </a:blip>
@@ -5322,22 +5375,6 @@
               </a:rPr>
               <a:t>前端路由机制的实现</a:t>
             </a:r>
-            <a:endParaRPr lang="zh-CN" altLang="en-US" sz="3200" dirty="0" smtClean="0">
-              <a:solidFill>
-                <a:schemeClr val="accent1">
-                  <a:lumMod val="50000"/>
-                </a:schemeClr>
-              </a:solidFill>
-              <a:effectLst>
-                <a:outerShdw blurRad="38100" dist="38100" dir="2700000" algn="tl">
-                  <a:srgbClr val="000000">
-                    <a:alpha val="43137"/>
-                  </a:srgbClr>
-                </a:outerShdw>
-              </a:effectLst>
-              <a:latin typeface="Microsoft YaHei UI" panose="020B0503020204020204" pitchFamily="34" charset="-122"/>
-              <a:ea typeface="Microsoft YaHei UI" panose="020B0503020204020204" pitchFamily="34" charset="-122"/>
-            </a:endParaRPr>
           </a:p>
         </p:txBody>
       </p:sp>
@@ -5350,10 +5387,10 @@
           <p:nvPr/>
         </p:nvPicPr>
         <p:blipFill>
-          <a:blip r:embed="rId2">
+          <a:blip r:embed="rId4">
             <a:extLst>
               <a:ext uri="{28A0092B-C50C-407E-A947-70E740481C1C}">
-                <a14:useLocalDpi xmlns:a14="http://schemas.microsoft.com/office/drawing/2010/main" val="0"/>
+                <a14:useLocalDpi xmlns:a14="http://schemas.microsoft.com/office/drawing/2010/main" xmlns="" val="0"/>
               </a:ext>
             </a:extLst>
           </a:blip>
@@ -5586,10 +5623,10 @@
           <p:nvPr/>
         </p:nvPicPr>
         <p:blipFill>
-          <a:blip r:embed="rId1">
+          <a:blip r:embed="rId3">
             <a:extLst>
               <a:ext uri="{28A0092B-C50C-407E-A947-70E740481C1C}">
-                <a14:useLocalDpi xmlns:a14="http://schemas.microsoft.com/office/drawing/2010/main" val="0"/>
+                <a14:useLocalDpi xmlns:a14="http://schemas.microsoft.com/office/drawing/2010/main" xmlns="" val="0"/>
               </a:ext>
             </a:extLst>
           </a:blip>
@@ -5942,10 +5979,10 @@
           <p:nvPr/>
         </p:nvPicPr>
         <p:blipFill>
-          <a:blip r:embed="rId1">
+          <a:blip r:embed="rId3">
             <a:extLst>
               <a:ext uri="{28A0092B-C50C-407E-A947-70E740481C1C}">
-                <a14:useLocalDpi xmlns:a14="http://schemas.microsoft.com/office/drawing/2010/main" val="0"/>
+                <a14:useLocalDpi xmlns:a14="http://schemas.microsoft.com/office/drawing/2010/main" xmlns="" val="0"/>
               </a:ext>
             </a:extLst>
           </a:blip>
@@ -6028,14 +6065,6 @@
               </a:rPr>
               <a:t>）</a:t>
             </a:r>
-            <a:endParaRPr lang="zh-CN" altLang="en-US" sz="2400" b="1" dirty="0">
-              <a:solidFill>
-                <a:srgbClr val="156CBE"/>
-              </a:solidFill>
-              <a:latin typeface="方正兰亭超细黑简体" pitchFamily="2" charset="-122"/>
-              <a:ea typeface="方正兰亭超细黑简体" pitchFamily="2" charset="-122"/>
-              <a:sym typeface="方正兰亭超细黑简体" pitchFamily="2" charset="-122"/>
-            </a:endParaRPr>
           </a:p>
         </p:txBody>
       </p:sp>
@@ -6048,7 +6077,7 @@
         <p:spPr>
           <a:xfrm>
             <a:off x="169333" y="934640"/>
-            <a:ext cx="8974667" cy="1200329"/>
+            <a:ext cx="8974667" cy="3970318"/>
           </a:xfrm>
           <a:prstGeom prst="rect">
             <a:avLst/>
@@ -6065,66 +6094,256 @@
               <a:t>	</a:t>
             </a:r>
             <a:r>
+              <a:rPr lang="en-US" altLang="zh-CN" dirty="0" smtClean="0"/>
+              <a:t>loader  </a:t>
+            </a:r>
+            <a:r>
               <a:rPr lang="zh-CN" altLang="en-US" dirty="0" smtClean="0"/>
-              <a:t>我们的路由使用了</a:t>
-            </a:r>
+              <a:t>是什么</a:t>
+            </a:r>
+            <a:endParaRPr lang="en-US" altLang="zh-CN" dirty="0" smtClean="0"/>
+          </a:p>
+          <a:p>
             <a:r>
               <a:rPr lang="en-US" altLang="zh-CN" dirty="0" smtClean="0"/>
-              <a:t>q.js</a:t>
+              <a:t>	</a:t>
+            </a:r>
+            <a:r>
+              <a:rPr lang="en-US" altLang="zh-CN" dirty="0" smtClean="0"/>
+              <a:t>    loader</a:t>
+            </a:r>
+            <a:r>
+              <a:rPr lang="zh-CN" altLang="en-US" dirty="0" smtClean="0"/>
+              <a:t>将</a:t>
+            </a:r>
+            <a:r>
+              <a:rPr lang="en-US" altLang="zh-CN" dirty="0" err="1" smtClean="0"/>
+              <a:t>webpack</a:t>
+            </a:r>
+            <a:r>
+              <a:rPr lang="en-US" altLang="zh-CN" dirty="0" smtClean="0"/>
+              <a:t> </a:t>
+            </a:r>
+            <a:r>
+              <a:rPr lang="zh-CN" altLang="en-US" dirty="0" smtClean="0"/>
+              <a:t>不认识的资源转换为认识的资源，进行打包，</a:t>
             </a:r>
             <a:endParaRPr lang="en-US" altLang="zh-CN" dirty="0" smtClean="0"/>
           </a:p>
           <a:p>
-            <a:endParaRPr lang="en-US" altLang="zh-CN" dirty="0"/>
-          </a:p>
-          <a:p>
+            <a:r>
+              <a:rPr lang="en-US" altLang="zh-CN" dirty="0" smtClean="0"/>
+              <a:t>	</a:t>
+            </a:r>
+            <a:r>
+              <a:rPr lang="en-US" altLang="zh-CN" dirty="0" smtClean="0"/>
+              <a:t>loader </a:t>
+            </a:r>
+            <a:r>
+              <a:rPr lang="zh-CN" altLang="en-US" dirty="0" smtClean="0"/>
+              <a:t>特性：</a:t>
+            </a:r>
             <a:endParaRPr lang="en-US" altLang="zh-CN" dirty="0" smtClean="0"/>
           </a:p>
           <a:p>
             <a:r>
-              <a:rPr lang="en-US" altLang="zh-CN" dirty="0"/>
+              <a:rPr lang="en-US" altLang="zh-CN" dirty="0" smtClean="0"/>
               <a:t>	</a:t>
             </a:r>
             <a:r>
+              <a:rPr lang="en-US" altLang="zh-CN" dirty="0" smtClean="0"/>
+              <a:t>	1</a:t>
+            </a:r>
+            <a:r>
               <a:rPr lang="zh-CN" altLang="en-US" dirty="0" smtClean="0"/>
-              <a:t>看代码，看</a:t>
-            </a:r>
+              <a:t>、可以串联；</a:t>
+            </a:r>
+            <a:endParaRPr lang="en-US" altLang="zh-CN" dirty="0" smtClean="0"/>
+          </a:p>
+          <a:p>
             <a:r>
               <a:rPr lang="en-US" altLang="zh-CN" dirty="0" smtClean="0"/>
-              <a:t>q.js</a:t>
+              <a:t>	</a:t>
+            </a:r>
+            <a:r>
+              <a:rPr lang="en-US" altLang="zh-CN" dirty="0" smtClean="0"/>
+              <a:t>2</a:t>
             </a:r>
             <a:r>
               <a:rPr lang="zh-CN" altLang="en-US" dirty="0" smtClean="0"/>
-              <a:t>如何使用</a:t>
+              <a:t>、可以同步，异步</a:t>
+            </a:r>
+            <a:endParaRPr lang="en-US" altLang="zh-CN" dirty="0" smtClean="0"/>
+          </a:p>
+          <a:p>
+            <a:r>
+              <a:rPr lang="en-US" altLang="zh-CN" dirty="0" smtClean="0"/>
+              <a:t>	</a:t>
+            </a:r>
+            <a:r>
+              <a:rPr lang="en-US" altLang="zh-CN" dirty="0" smtClean="0"/>
+              <a:t>3</a:t>
+            </a:r>
+            <a:r>
+              <a:rPr lang="zh-CN" altLang="en-US" dirty="0" smtClean="0"/>
+              <a:t>、在</a:t>
+            </a:r>
+            <a:r>
+              <a:rPr lang="en-US" altLang="zh-CN" dirty="0" smtClean="0"/>
+              <a:t>node</a:t>
+            </a:r>
+            <a:r>
+              <a:rPr lang="zh-CN" altLang="en-US" dirty="0" smtClean="0"/>
+              <a:t>环境下运行</a:t>
+            </a:r>
+            <a:endParaRPr lang="en-US" altLang="zh-CN" dirty="0" smtClean="0"/>
+          </a:p>
+          <a:p>
+            <a:r>
+              <a:rPr lang="en-US" altLang="zh-CN" dirty="0" smtClean="0"/>
+              <a:t>	</a:t>
+            </a:r>
+            <a:r>
+              <a:rPr lang="en-US" altLang="zh-CN" dirty="0" smtClean="0"/>
+              <a:t>4</a:t>
+            </a:r>
+            <a:r>
+              <a:rPr lang="zh-CN" altLang="en-US" dirty="0" smtClean="0"/>
+              <a:t>、可以提供参数；</a:t>
+            </a:r>
+            <a:endParaRPr lang="en-US" altLang="zh-CN" dirty="0" smtClean="0"/>
+          </a:p>
+          <a:p>
+            <a:r>
+              <a:rPr lang="en-US" altLang="zh-CN" dirty="0" smtClean="0"/>
+              <a:t>	</a:t>
+            </a:r>
+            <a:r>
+              <a:rPr lang="en-US" altLang="zh-CN" dirty="0" smtClean="0"/>
+              <a:t>5</a:t>
+            </a:r>
+            <a:r>
+              <a:rPr lang="zh-CN" altLang="en-US" dirty="0" smtClean="0"/>
+              <a:t>、</a:t>
+            </a:r>
+            <a:endParaRPr lang="en-US" altLang="zh-CN" dirty="0" smtClean="0"/>
+          </a:p>
+          <a:p>
+            <a:endParaRPr lang="en-US" altLang="zh-CN" dirty="0" smtClean="0"/>
+          </a:p>
+          <a:p>
+            <a:r>
+              <a:rPr lang="en-US" altLang="zh-CN" dirty="0" smtClean="0"/>
+              <a:t>	loader </a:t>
+            </a:r>
+            <a:r>
+              <a:rPr lang="zh-CN" altLang="en-US" dirty="0" smtClean="0"/>
+              <a:t>的使用方式：</a:t>
+            </a:r>
+            <a:endParaRPr lang="en-US" altLang="zh-CN" dirty="0" smtClean="0"/>
+          </a:p>
+          <a:p>
+            <a:r>
+              <a:rPr lang="en-US" altLang="zh-CN" dirty="0" smtClean="0"/>
+              <a:t>	</a:t>
+            </a:r>
+            <a:r>
+              <a:rPr lang="en-US" altLang="zh-CN" dirty="0" smtClean="0"/>
+              <a:t>1</a:t>
+            </a:r>
+            <a:r>
+              <a:rPr lang="zh-CN" altLang="en-US" dirty="0" smtClean="0"/>
+              <a:t>、在</a:t>
+            </a:r>
+            <a:r>
+              <a:rPr lang="en-US" altLang="zh-CN" dirty="0" smtClean="0"/>
+              <a:t>require</a:t>
+            </a:r>
+            <a:r>
+              <a:rPr lang="zh-CN" altLang="en-US" dirty="0" smtClean="0"/>
+              <a:t>的时候直接访问；</a:t>
+            </a:r>
+            <a:endParaRPr lang="en-US" altLang="zh-CN" dirty="0" smtClean="0"/>
+          </a:p>
+          <a:p>
+            <a:r>
+              <a:rPr lang="en-US" altLang="zh-CN" dirty="0" smtClean="0"/>
+              <a:t>	</a:t>
+            </a:r>
+            <a:r>
+              <a:rPr lang="en-US" altLang="zh-CN" dirty="0" smtClean="0"/>
+              <a:t>2</a:t>
+            </a:r>
+            <a:r>
+              <a:rPr lang="zh-CN" altLang="en-US" dirty="0" smtClean="0"/>
+              <a:t>、使用配置文件</a:t>
+            </a:r>
+            <a:endParaRPr lang="en-US" altLang="zh-CN" dirty="0" smtClean="0"/>
+          </a:p>
+          <a:p>
+            <a:r>
+              <a:rPr lang="en-US" altLang="zh-CN" dirty="0" smtClean="0"/>
+              <a:t>	</a:t>
+            </a:r>
+            <a:r>
+              <a:rPr lang="en-US" altLang="zh-CN" dirty="0" smtClean="0"/>
+              <a:t>3</a:t>
+            </a:r>
+            <a:r>
+              <a:rPr lang="zh-CN" altLang="en-US" dirty="0" smtClean="0"/>
+              <a:t>、使用</a:t>
+            </a:r>
+            <a:r>
+              <a:rPr lang="en-US" altLang="zh-CN" dirty="0" err="1" smtClean="0"/>
+              <a:t>cli</a:t>
+            </a:r>
+            <a:r>
+              <a:rPr lang="zh-CN" altLang="en-US" dirty="0" smtClean="0"/>
+              <a:t>的方式，在命令行中绑定</a:t>
+            </a:r>
+            <a:endParaRPr lang="en-US" altLang="zh-CN" dirty="0" smtClean="0"/>
+          </a:p>
+          <a:p>
+            <a:r>
+              <a:rPr lang="en-US" altLang="zh-CN" dirty="0" smtClean="0"/>
+              <a:t>	</a:t>
+            </a:r>
+            <a:r>
+              <a:rPr lang="en-US" altLang="zh-CN" dirty="0" smtClean="0"/>
+              <a:t>	</a:t>
+            </a:r>
+            <a:r>
+              <a:rPr lang="zh-CN" altLang="en-US" dirty="0" smtClean="0"/>
+              <a:t>比如：</a:t>
+            </a:r>
+            <a:r>
+              <a:rPr lang="en-US" altLang="zh-CN" dirty="0" err="1" smtClean="0"/>
+              <a:t>webpack</a:t>
+            </a:r>
+            <a:r>
+              <a:rPr lang="en-US" altLang="zh-CN" dirty="0" smtClean="0"/>
+              <a:t> –module-bind jade –module-bind ‘</a:t>
+            </a:r>
+            <a:r>
+              <a:rPr lang="en-US" altLang="zh-CN" dirty="0" err="1" smtClean="0"/>
+              <a:t>css</a:t>
+            </a:r>
+            <a:r>
+              <a:rPr lang="en-US" altLang="zh-CN" dirty="0" smtClean="0"/>
+              <a:t>=</a:t>
+            </a:r>
+            <a:r>
+              <a:rPr lang="en-US" altLang="zh-CN" dirty="0" err="1" smtClean="0"/>
+              <a:t>style.css</a:t>
+            </a:r>
+            <a:r>
+              <a:rPr lang="en-US" altLang="zh-CN" dirty="0" smtClean="0"/>
+              <a:t>’</a:t>
             </a:r>
             <a:endParaRPr lang="zh-CN" altLang="en-US" dirty="0"/>
           </a:p>
         </p:txBody>
       </p:sp>
-      <p:pic>
-        <p:nvPicPr>
-          <p:cNvPr id="5" name="图片 4"/>
-          <p:cNvPicPr>
-            <a:picLocks noChangeAspect="1"/>
-          </p:cNvPicPr>
-          <p:nvPr/>
-        </p:nvPicPr>
-        <p:blipFill>
-          <a:blip r:embed="rId2"/>
-          <a:stretch>
-            <a:fillRect/>
-          </a:stretch>
-        </p:blipFill>
-        <p:spPr>
-          <a:xfrm>
-            <a:off x="4412609" y="539231"/>
-            <a:ext cx="4562822" cy="4431350"/>
-          </a:xfrm>
-          <a:prstGeom prst="rect">
-            <a:avLst/>
-          </a:prstGeom>
-        </p:spPr>
-      </p:pic>
     </p:spTree>
   </p:cSld>
   <p:clrMapOvr>
@@ -6166,10 +6385,10 @@
           <p:nvPr/>
         </p:nvPicPr>
         <p:blipFill>
-          <a:blip r:embed="rId1">
+          <a:blip r:embed="rId3">
             <a:extLst>
               <a:ext uri="{28A0092B-C50C-407E-A947-70E740481C1C}">
-                <a14:useLocalDpi xmlns:a14="http://schemas.microsoft.com/office/drawing/2010/main" val="0"/>
+                <a14:useLocalDpi xmlns:a14="http://schemas.microsoft.com/office/drawing/2010/main" xmlns="" val="0"/>
               </a:ext>
             </a:extLst>
           </a:blip>
@@ -6511,10 +6730,10 @@
           <p:nvPr/>
         </p:nvPicPr>
         <p:blipFill>
-          <a:blip r:embed="rId1">
+          <a:blip r:embed="rId3">
             <a:extLst>
               <a:ext uri="{28A0092B-C50C-407E-A947-70E740481C1C}">
-                <a14:useLocalDpi xmlns:a14="http://schemas.microsoft.com/office/drawing/2010/main" val="0"/>
+                <a14:useLocalDpi xmlns:a14="http://schemas.microsoft.com/office/drawing/2010/main" xmlns="" val="0"/>
               </a:ext>
             </a:extLst>
           </a:blip>
@@ -6586,14 +6805,6 @@
               </a:rPr>
               <a:t>源码分析</a:t>
             </a:r>
-            <a:endParaRPr lang="zh-CN" altLang="en-US" sz="2400" b="1" dirty="0">
-              <a:solidFill>
-                <a:srgbClr val="156CBE"/>
-              </a:solidFill>
-              <a:latin typeface="方正兰亭超细黑简体" pitchFamily="2" charset="-122"/>
-              <a:ea typeface="方正兰亭超细黑简体" pitchFamily="2" charset="-122"/>
-              <a:sym typeface="方正兰亭超细黑简体" pitchFamily="2" charset="-122"/>
-            </a:endParaRPr>
           </a:p>
         </p:txBody>
       </p:sp>
@@ -6606,7 +6817,7 @@
         <p:spPr>
           <a:xfrm>
             <a:off x="84666" y="1869789"/>
-            <a:ext cx="8974667" cy="769441"/>
+            <a:ext cx="8974667" cy="3077766"/>
           </a:xfrm>
           <a:prstGeom prst="rect">
             <a:avLst/>
@@ -6619,26 +6830,123 @@
           <a:lstStyle/>
           <a:p>
             <a:r>
-              <a:rPr lang="en-US" altLang="zh-CN" dirty="0"/>
+              <a:rPr lang="en-US" altLang="zh-CN" dirty="0" smtClean="0"/>
+              <a:t>  </a:t>
+            </a:r>
+            <a:r>
+              <a:rPr lang="en-US" altLang="zh-CN" dirty="0" err="1" smtClean="0"/>
+              <a:t>bable</a:t>
+            </a:r>
+            <a:r>
+              <a:rPr lang="en-US" altLang="zh-CN" dirty="0" smtClean="0"/>
+              <a:t> </a:t>
+            </a:r>
+            <a:r>
+              <a:rPr lang="zh-CN" altLang="en-US" dirty="0" smtClean="0"/>
+              <a:t>配置的三种方式：</a:t>
+            </a:r>
+            <a:endParaRPr lang="en-US" altLang="zh-CN" dirty="0" smtClean="0"/>
+          </a:p>
+          <a:p>
+            <a:r>
+              <a:rPr lang="en-US" altLang="zh-CN" sz="4400" dirty="0" smtClean="0"/>
               <a:t>	</a:t>
             </a:r>
             <a:r>
-              <a:rPr lang="en-US" altLang="zh-CN" dirty="0" smtClean="0"/>
-              <a:t>		</a:t>
+              <a:rPr lang="en-US" altLang="zh-CN" sz="4400" dirty="0" smtClean="0"/>
+              <a:t>1</a:t>
             </a:r>
             <a:r>
               <a:rPr lang="zh-CN" altLang="en-US" sz="4400" dirty="0" smtClean="0"/>
-              <a:t>一起分析一下</a:t>
+              <a:t>、在</a:t>
+            </a:r>
+            <a:r>
+              <a:rPr lang="en-US" altLang="zh-CN" sz="4400" dirty="0" err="1" smtClean="0"/>
+              <a:t>package.json</a:t>
+            </a:r>
+            <a:r>
+              <a:rPr lang="zh-CN" altLang="en-US" sz="4400" dirty="0" smtClean="0"/>
+              <a:t>中写入</a:t>
             </a:r>
             <a:r>
               <a:rPr lang="en-US" altLang="zh-CN" sz="4400" dirty="0" smtClean="0"/>
-              <a:t>q.js</a:t>
+              <a:t>’</a:t>
+            </a:r>
+            <a:r>
+              <a:rPr lang="en-US" altLang="zh-CN" sz="4400" dirty="0" err="1" smtClean="0"/>
+              <a:t>babel</a:t>
+            </a:r>
+            <a:r>
+              <a:rPr lang="en-US" altLang="zh-CN" sz="4400" dirty="0" smtClean="0"/>
+              <a:t>’</a:t>
             </a:r>
             <a:r>
               <a:rPr lang="zh-CN" altLang="en-US" sz="4400" dirty="0" smtClean="0"/>
-              <a:t>的源码</a:t>
-            </a:r>
-            <a:endParaRPr lang="zh-CN" altLang="en-US" sz="4400" dirty="0"/>
+              <a:t>：</a:t>
+            </a:r>
+            <a:r>
+              <a:rPr lang="en-US" altLang="zh-CN" sz="4400" dirty="0" smtClean="0"/>
+              <a:t>{</a:t>
+            </a:r>
+          </a:p>
+          <a:p>
+            <a:r>
+              <a:rPr lang="en-US" altLang="zh-CN" sz="4400" dirty="0" smtClean="0"/>
+              <a:t>}</a:t>
+            </a:r>
+          </a:p>
+          <a:p>
+            <a:r>
+              <a:rPr lang="en-US" altLang="zh-CN" sz="4400" dirty="0" smtClean="0"/>
+              <a:t>	</a:t>
+            </a:r>
+            <a:r>
+              <a:rPr lang="en-US" altLang="zh-CN" sz="4400" dirty="0" smtClean="0"/>
+              <a:t>2</a:t>
+            </a:r>
+            <a:r>
+              <a:rPr lang="zh-CN" altLang="en-US" sz="4400" dirty="0" smtClean="0"/>
+              <a:t>、在</a:t>
+            </a:r>
+            <a:r>
+              <a:rPr lang="en-US" altLang="zh-CN" sz="4400" dirty="0" smtClean="0"/>
+              <a:t>loader</a:t>
+            </a:r>
+            <a:r>
+              <a:rPr lang="zh-CN" altLang="en-US" sz="4400" dirty="0" smtClean="0"/>
+              <a:t>中配置</a:t>
+            </a:r>
+            <a:r>
+              <a:rPr lang="en-US" altLang="zh-CN" sz="4400" dirty="0" smtClean="0"/>
+              <a:t>query</a:t>
+            </a:r>
+          </a:p>
+          <a:p>
+            <a:r>
+              <a:rPr lang="en-US" altLang="zh-CN" sz="4400" dirty="0" smtClean="0"/>
+              <a:t>	</a:t>
+            </a:r>
+            <a:r>
+              <a:rPr lang="en-US" altLang="zh-CN" sz="4400" dirty="0" smtClean="0"/>
+              <a:t>3</a:t>
+            </a:r>
+            <a:r>
+              <a:rPr lang="zh-CN" altLang="en-US" sz="4400" dirty="0" smtClean="0"/>
+              <a:t>、在目录下添加</a:t>
+            </a:r>
+            <a:r>
+              <a:rPr lang="en-US" altLang="zh-CN" sz="4400" dirty="0" smtClean="0"/>
+              <a:t>.</a:t>
+            </a:r>
+            <a:r>
+              <a:rPr lang="en-US" altLang="zh-CN" sz="4400" dirty="0" err="1" smtClean="0"/>
+              <a:t>babelrc</a:t>
+            </a:r>
+            <a:r>
+              <a:rPr lang="zh-CN" altLang="en-US" sz="4400" dirty="0" smtClean="0"/>
+              <a:t>配置</a:t>
+            </a:r>
+            <a:endParaRPr lang="en-US" altLang="zh-CN" sz="4400" dirty="0" smtClean="0"/>
           </a:p>
         </p:txBody>
       </p:sp>
@@ -6683,10 +6991,10 @@
           <p:nvPr/>
         </p:nvPicPr>
         <p:blipFill>
-          <a:blip r:embed="rId1">
+          <a:blip r:embed="rId3">
             <a:extLst>
               <a:ext uri="{28A0092B-C50C-407E-A947-70E740481C1C}">
-                <a14:useLocalDpi xmlns:a14="http://schemas.microsoft.com/office/drawing/2010/main" val="0"/>
+                <a14:useLocalDpi xmlns:a14="http://schemas.microsoft.com/office/drawing/2010/main" xmlns="" val="0"/>
               </a:ext>
             </a:extLst>
           </a:blip>
@@ -7026,10 +7334,10 @@
           <p:nvPr/>
         </p:nvPicPr>
         <p:blipFill>
-          <a:blip r:embed="rId1">
+          <a:blip r:embed="rId3">
             <a:extLst>
               <a:ext uri="{28A0092B-C50C-407E-A947-70E740481C1C}">
-                <a14:useLocalDpi xmlns:a14="http://schemas.microsoft.com/office/drawing/2010/main" val="0"/>
+                <a14:useLocalDpi xmlns:a14="http://schemas.microsoft.com/office/drawing/2010/main" xmlns="" val="0"/>
               </a:ext>
             </a:extLst>
           </a:blip>
@@ -7119,7 +7427,7 @@
         <p:spPr>
           <a:xfrm>
             <a:off x="169333" y="934640"/>
-            <a:ext cx="8974667" cy="646331"/>
+            <a:ext cx="8974667" cy="369332"/>
           </a:xfrm>
           <a:prstGeom prst="rect">
             <a:avLst/>
@@ -7133,18 +7441,19 @@
           <a:p>
             <a:r>
               <a:rPr lang="zh-CN" altLang="en-US" dirty="0" smtClean="0"/>
-              <a:t>给大家看一个场景，</a:t>
-            </a:r>
-            <a:r>
-              <a:rPr lang="zh-CN" altLang="en-US" dirty="0"/>
-              <a:t>来讨论下</a:t>
-            </a:r>
-            <a:endParaRPr lang="en-US" altLang="zh-CN" dirty="0" smtClean="0"/>
-          </a:p>
-          <a:p>
+              <a:t>这个错误是</a:t>
+            </a:r>
+            <a:r>
+              <a:rPr lang="en-US" altLang="zh-CN" dirty="0" err="1" smtClean="0"/>
+              <a:t>webpack</a:t>
+            </a:r>
+            <a:r>
+              <a:rPr lang="en-US" altLang="zh-CN" dirty="0" smtClean="0"/>
+              <a:t> 2.0</a:t>
+            </a:r>
             <a:r>
               <a:rPr lang="zh-CN" altLang="en-US" dirty="0" smtClean="0"/>
-              <a:t>如何用路由来解决这个问题：</a:t>
+              <a:t>以上路径需要些绝对路经。</a:t>
             </a:r>
             <a:endParaRPr lang="en-US" altLang="zh-CN" dirty="0" smtClean="0"/>
           </a:p>
@@ -7152,50 +7461,66 @@
       </p:sp>
       <p:pic>
         <p:nvPicPr>
-          <p:cNvPr id="3" name="图片 2"/>
+          <p:cNvPr id="1026" name="Picture 2"/>
           <p:cNvPicPr>
-            <a:picLocks noChangeAspect="1"/>
+            <a:picLocks noChangeAspect="1" noChangeArrowheads="1"/>
           </p:cNvPicPr>
           <p:nvPr/>
         </p:nvPicPr>
         <p:blipFill>
-          <a:blip r:embed="rId2"/>
+          <a:blip r:embed="rId4"/>
+          <a:srcRect/>
           <a:stretch>
             <a:fillRect/>
           </a:stretch>
         </p:blipFill>
-        <p:spPr>
+        <p:spPr bwMode="auto">
           <a:xfrm>
-            <a:off x="3673871" y="902170"/>
-            <a:ext cx="2366390" cy="4209018"/>
+            <a:off x="738894" y="2243137"/>
+            <a:ext cx="7553325" cy="657225"/>
           </a:xfrm>
           <a:prstGeom prst="rect">
             <a:avLst/>
           </a:prstGeom>
+          <a:noFill/>
+          <a:ln w="9525">
+            <a:noFill/>
+            <a:miter lim="800000"/>
+            <a:headEnd/>
+            <a:tailEnd/>
+          </a:ln>
         </p:spPr>
       </p:pic>
       <p:pic>
         <p:nvPicPr>
-          <p:cNvPr id="4" name="图片 3"/>
+          <p:cNvPr id="1027" name="Picture 3"/>
           <p:cNvPicPr>
-            <a:picLocks noChangeAspect="1"/>
+            <a:picLocks noChangeAspect="1" noChangeArrowheads="1"/>
           </p:cNvPicPr>
           <p:nvPr/>
         </p:nvPicPr>
         <p:blipFill>
-          <a:blip r:embed="rId3"/>
+          <a:blip r:embed="rId5"/>
+          <a:srcRect/>
           <a:stretch>
             <a:fillRect/>
           </a:stretch>
         </p:blipFill>
-        <p:spPr>
+        <p:spPr bwMode="auto">
           <a:xfrm>
-            <a:off x="6209593" y="95028"/>
-            <a:ext cx="2818641" cy="5000091"/>
+            <a:off x="738894" y="3212757"/>
+            <a:ext cx="3409950" cy="581025"/>
           </a:xfrm>
           <a:prstGeom prst="rect">
             <a:avLst/>
           </a:prstGeom>
+          <a:noFill/>
+          <a:ln w="9525">
+            <a:noFill/>
+            <a:miter lim="800000"/>
+            <a:headEnd/>
+            <a:tailEnd/>
+          </a:ln>
         </p:spPr>
       </p:pic>
     </p:spTree>
@@ -7239,10 +7564,10 @@
           <p:nvPr/>
         </p:nvPicPr>
         <p:blipFill>
-          <a:blip r:embed="rId1">
+          <a:blip r:embed="rId3">
             <a:extLst>
               <a:ext uri="{28A0092B-C50C-407E-A947-70E740481C1C}">
-                <a14:useLocalDpi xmlns:a14="http://schemas.microsoft.com/office/drawing/2010/main" val="0"/>
+                <a14:useLocalDpi xmlns:a14="http://schemas.microsoft.com/office/drawing/2010/main" xmlns="" val="0"/>
               </a:ext>
             </a:extLst>
           </a:blip>
@@ -7365,7 +7690,7 @@
           <p:nvPr/>
         </p:nvPicPr>
         <p:blipFill>
-          <a:blip r:embed="rId2"/>
+          <a:blip r:embed="rId4"/>
           <a:stretch>
             <a:fillRect/>
           </a:stretch>
@@ -7421,10 +7746,10 @@
           <p:nvPr/>
         </p:nvPicPr>
         <p:blipFill>
-          <a:blip r:embed="rId1">
+          <a:blip r:embed="rId3">
             <a:extLst>
               <a:ext uri="{28A0092B-C50C-407E-A947-70E740481C1C}">
-                <a14:useLocalDpi xmlns:a14="http://schemas.microsoft.com/office/drawing/2010/main" val="0"/>
+                <a14:useLocalDpi xmlns:a14="http://schemas.microsoft.com/office/drawing/2010/main" xmlns="" val="0"/>
               </a:ext>
             </a:extLst>
           </a:blip>
@@ -7726,7 +8051,6 @@
               <a:rPr lang="en-US" altLang="zh-CN" dirty="0" smtClean="0"/>
               <a:t>);</a:t>
             </a:r>
-            <a:endParaRPr lang="en-US" altLang="zh-CN" dirty="0" smtClean="0"/>
           </a:p>
           <a:p>
             <a:endParaRPr lang="zh-CN" altLang="en-US" dirty="0"/>
@@ -7774,10 +8098,10 @@
           <p:nvPr/>
         </p:nvPicPr>
         <p:blipFill>
-          <a:blip r:embed="rId1">
+          <a:blip r:embed="rId3">
             <a:extLst>
               <a:ext uri="{28A0092B-C50C-407E-A947-70E740481C1C}">
-                <a14:useLocalDpi xmlns:a14="http://schemas.microsoft.com/office/drawing/2010/main" val="0"/>
+                <a14:useLocalDpi xmlns:a14="http://schemas.microsoft.com/office/drawing/2010/main" xmlns="" val="0"/>
               </a:ext>
             </a:extLst>
           </a:blip>
@@ -8107,10 +8431,10 @@
           <p:nvPr/>
         </p:nvPicPr>
         <p:blipFill>
-          <a:blip r:embed="rId1">
+          <a:blip r:embed="rId3">
             <a:extLst>
               <a:ext uri="{28A0092B-C50C-407E-A947-70E740481C1C}">
-                <a14:useLocalDpi xmlns:a14="http://schemas.microsoft.com/office/drawing/2010/main" val="0"/>
+                <a14:useLocalDpi xmlns:a14="http://schemas.microsoft.com/office/drawing/2010/main" xmlns="" val="0"/>
               </a:ext>
             </a:extLst>
           </a:blip>
@@ -8210,7 +8534,6 @@
               <a:rPr lang="zh-CN" altLang="en-US" dirty="0"/>
               <a:t>、上传图片的问题</a:t>
             </a:r>
-            <a:endParaRPr lang="zh-CN" altLang="en-US" dirty="0"/>
           </a:p>
           <a:p>
             <a:r>
@@ -8299,7 +8622,6 @@
               <a:rPr lang="zh-CN" altLang="en-US" dirty="0"/>
               <a:t>中的注意事项：</a:t>
             </a:r>
-            <a:endParaRPr lang="zh-CN" altLang="en-US" dirty="0"/>
           </a:p>
           <a:p>
             <a:r>
@@ -8382,7 +8704,6 @@
               <a:rPr lang="zh-CN" altLang="en-US" dirty="0"/>
               <a:t>的原生事件</a:t>
             </a:r>
-            <a:endParaRPr lang="zh-CN" altLang="en-US" dirty="0"/>
           </a:p>
           <a:p>
             <a:r>
@@ -8393,7 +8714,6 @@
               <a:rPr lang="zh-CN" altLang="en-US" dirty="0"/>
               <a:t>触发某个元素的某个事件，首先得让那个元素把那个事件添加的函数提前执行；</a:t>
             </a:r>
-            <a:endParaRPr lang="zh-CN" altLang="en-US" dirty="0"/>
           </a:p>
           <a:p>
             <a:r>
@@ -8412,7 +8732,6 @@
               <a:rPr lang="zh-CN" altLang="en-US" dirty="0"/>
               <a:t>的使用，出现点击第一次没有出现响应，第二次才起效果</a:t>
             </a:r>
-            <a:endParaRPr lang="zh-CN" altLang="en-US" dirty="0"/>
           </a:p>
         </p:txBody>
       </p:sp>
@@ -9170,10 +9489,10 @@
           <p:nvPr/>
         </p:nvPicPr>
         <p:blipFill>
-          <a:blip r:embed="rId1">
+          <a:blip r:embed="rId3">
             <a:extLst>
               <a:ext uri="{28A0092B-C50C-407E-A947-70E740481C1C}">
-                <a14:useLocalDpi xmlns:a14="http://schemas.microsoft.com/office/drawing/2010/main" val="0"/>
+                <a14:useLocalDpi xmlns:a14="http://schemas.microsoft.com/office/drawing/2010/main" xmlns="" val="0"/>
               </a:ext>
             </a:extLst>
           </a:blip>
@@ -9281,7 +9600,6 @@
               <a:rPr lang="zh-CN" altLang="en-US" dirty="0"/>
               <a:t>中的一些问题：</a:t>
             </a:r>
-            <a:endParaRPr lang="zh-CN" altLang="en-US" dirty="0"/>
           </a:p>
           <a:p>
             <a:r>
@@ -9324,7 +9642,6 @@
               <a:rPr lang="zh-CN" altLang="en-US" dirty="0"/>
               <a:t>对象去使用这些方法。通过赋值的方法去调用不起作用；</a:t>
             </a:r>
-            <a:endParaRPr lang="zh-CN" altLang="en-US" dirty="0"/>
           </a:p>
           <a:p>
             <a:r>
@@ -9379,7 +9696,6 @@
               <a:rPr lang="zh-CN" altLang="en-US" dirty="0"/>
               <a:t>）；否则无法点击</a:t>
             </a:r>
-            <a:endParaRPr lang="zh-CN" altLang="en-US" dirty="0"/>
           </a:p>
           <a:p>
             <a:r>
@@ -9471,7 +9787,6 @@
               <a:rPr lang="zh-CN" altLang="en-US" dirty="0"/>
               <a:t>（）方法去获取元素的自定义属性</a:t>
             </a:r>
-            <a:endParaRPr lang="zh-CN" altLang="en-US" dirty="0"/>
           </a:p>
           <a:p>
             <a:r>
@@ -9482,7 +9797,6 @@
               <a:rPr lang="zh-CN" altLang="en-US" dirty="0"/>
               <a:t>（）解释为可以获取元素自定义的属性；但是：</a:t>
             </a:r>
-            <a:endParaRPr lang="zh-CN" altLang="en-US" dirty="0"/>
           </a:p>
           <a:p>
             <a:pPr lvl="1"/>
@@ -9494,7 +9808,6 @@
               <a:rPr lang="zh-CN" altLang="en-US" dirty="0"/>
               <a:t>只能获取到第一次赋值的属性，之后通过修改的值获取不到；</a:t>
             </a:r>
-            <a:endParaRPr lang="zh-CN" altLang="en-US" dirty="0"/>
           </a:p>
           <a:p>
             <a:r>
@@ -9541,7 +9854,6 @@
               <a:rPr lang="zh-CN" altLang="en-US" dirty="0"/>
               <a:t>；</a:t>
             </a:r>
-            <a:endParaRPr lang="zh-CN" altLang="en-US" dirty="0"/>
           </a:p>
         </p:txBody>
       </p:sp>
@@ -9586,10 +9898,10 @@
           <p:nvPr/>
         </p:nvPicPr>
         <p:blipFill>
-          <a:blip r:embed="rId1">
+          <a:blip r:embed="rId3">
             <a:extLst>
               <a:ext uri="{28A0092B-C50C-407E-A947-70E740481C1C}">
-                <a14:useLocalDpi xmlns:a14="http://schemas.microsoft.com/office/drawing/2010/main" val="0"/>
+                <a14:useLocalDpi xmlns:a14="http://schemas.microsoft.com/office/drawing/2010/main" xmlns="" val="0"/>
               </a:ext>
             </a:extLst>
           </a:blip>
@@ -9744,7 +10056,6 @@
               <a:rPr lang="en-US" altLang="zh-CN" dirty="0"/>
               <a:t>.</a:t>
             </a:r>
-            <a:endParaRPr lang="en-US" altLang="zh-CN" dirty="0"/>
           </a:p>
           <a:p>
             <a:r>
@@ -9775,7 +10086,6 @@
               <a:rPr lang="en-US" altLang="zh-CN" dirty="0"/>
               <a:t>.</a:t>
             </a:r>
-            <a:endParaRPr lang="en-US" altLang="zh-CN" dirty="0"/>
           </a:p>
           <a:p>
             <a:r>
@@ -9830,7 +10140,6 @@
               <a:rPr lang="zh-CN" altLang="en-US" dirty="0"/>
               <a:t>中事件解锁，正常执行。</a:t>
             </a:r>
-            <a:endParaRPr lang="zh-CN" altLang="en-US" dirty="0"/>
           </a:p>
         </p:txBody>
       </p:sp>
@@ -9875,10 +10184,10 @@
           <p:nvPr/>
         </p:nvPicPr>
         <p:blipFill>
-          <a:blip r:embed="rId1">
+          <a:blip r:embed="rId3">
             <a:extLst>
               <a:ext uri="{28A0092B-C50C-407E-A947-70E740481C1C}">
-                <a14:useLocalDpi xmlns:a14="http://schemas.microsoft.com/office/drawing/2010/main" val="0"/>
+                <a14:useLocalDpi xmlns:a14="http://schemas.microsoft.com/office/drawing/2010/main" xmlns="" val="0"/>
               </a:ext>
             </a:extLst>
           </a:blip>
@@ -10208,10 +10517,10 @@
           <p:nvPr/>
         </p:nvPicPr>
         <p:blipFill>
-          <a:blip r:embed="rId1">
+          <a:blip r:embed="rId3">
             <a:extLst>
               <a:ext uri="{28A0092B-C50C-407E-A947-70E740481C1C}">
-                <a14:useLocalDpi xmlns:a14="http://schemas.microsoft.com/office/drawing/2010/main" val="0"/>
+                <a14:useLocalDpi xmlns:a14="http://schemas.microsoft.com/office/drawing/2010/main" xmlns="" val="0"/>
               </a:ext>
             </a:extLst>
           </a:blip>
@@ -10406,10 +10715,10 @@
           <p:nvPr/>
         </p:nvPicPr>
         <p:blipFill>
-          <a:blip r:embed="rId1">
+          <a:blip r:embed="rId2">
             <a:extLst>
               <a:ext uri="{28A0092B-C50C-407E-A947-70E740481C1C}">
-                <a14:useLocalDpi xmlns:a14="http://schemas.microsoft.com/office/drawing/2010/main" val="0"/>
+                <a14:useLocalDpi xmlns:a14="http://schemas.microsoft.com/office/drawing/2010/main" xmlns="" val="0"/>
               </a:ext>
             </a:extLst>
           </a:blip>
@@ -10499,10 +10808,10 @@
           <p:nvPr/>
         </p:nvPicPr>
         <p:blipFill>
-          <a:blip r:embed="rId2">
+          <a:blip r:embed="rId3">
             <a:extLst>
               <a:ext uri="{28A0092B-C50C-407E-A947-70E740481C1C}">
-                <a14:useLocalDpi xmlns:a14="http://schemas.microsoft.com/office/drawing/2010/main" val="0"/>
+                <a14:useLocalDpi xmlns:a14="http://schemas.microsoft.com/office/drawing/2010/main" xmlns="" val="0"/>
               </a:ext>
             </a:extLst>
           </a:blip>
@@ -10561,10 +10870,10 @@
           <p:nvPr/>
         </p:nvPicPr>
         <p:blipFill>
-          <a:blip r:embed="rId1">
+          <a:blip r:embed="rId3">
             <a:extLst>
               <a:ext uri="{28A0092B-C50C-407E-A947-70E740481C1C}">
-                <a14:useLocalDpi xmlns:a14="http://schemas.microsoft.com/office/drawing/2010/main" val="0"/>
+                <a14:useLocalDpi xmlns:a14="http://schemas.microsoft.com/office/drawing/2010/main" xmlns="" val="0"/>
               </a:ext>
             </a:extLst>
           </a:blip>
@@ -10870,7 +11179,7 @@
           <p:nvPr/>
         </p:nvPicPr>
         <p:blipFill>
-          <a:blip r:embed="rId2"/>
+          <a:blip r:embed="rId4"/>
           <a:stretch>
             <a:fillRect/>
           </a:stretch>
@@ -10926,10 +11235,10 @@
           <p:nvPr/>
         </p:nvPicPr>
         <p:blipFill>
-          <a:blip r:embed="rId1">
+          <a:blip r:embed="rId3">
             <a:extLst>
               <a:ext uri="{28A0092B-C50C-407E-A947-70E740481C1C}">
-                <a14:useLocalDpi xmlns:a14="http://schemas.microsoft.com/office/drawing/2010/main" val="0"/>
+                <a14:useLocalDpi xmlns:a14="http://schemas.microsoft.com/office/drawing/2010/main" xmlns="" val="0"/>
               </a:ext>
             </a:extLst>
           </a:blip>
@@ -11051,7 +11360,6 @@
               <a:rPr lang="zh-CN" altLang="en-US" dirty="0" smtClean="0"/>
               <a:t>需要，踩的坑）</a:t>
             </a:r>
-            <a:endParaRPr lang="zh-CN" altLang="en-US" dirty="0" smtClean="0"/>
           </a:p>
           <a:p>
             <a:endParaRPr lang="zh-CN" altLang="en-US" dirty="0" smtClean="0"/>
@@ -11061,7 +11369,6 @@
               <a:rPr lang="zh-CN" altLang="en-US" dirty="0" smtClean="0"/>
               <a:t>webpack --config XXX.js //使用另一份配置文件（比如webpack.config2.js）来打包</a:t>
             </a:r>
-            <a:endParaRPr lang="zh-CN" altLang="en-US" dirty="0" smtClean="0"/>
           </a:p>
           <a:p>
             <a:endParaRPr lang="zh-CN" altLang="en-US" dirty="0" smtClean="0"/>
@@ -11071,7 +11378,6 @@
               <a:rPr lang="zh-CN" altLang="en-US" dirty="0" smtClean="0"/>
               <a:t>$ webpack --watch //监听变动并自动打包</a:t>
             </a:r>
-            <a:endParaRPr lang="zh-CN" altLang="en-US" dirty="0" smtClean="0"/>
           </a:p>
           <a:p>
             <a:endParaRPr lang="zh-CN" altLang="en-US" dirty="0" smtClean="0"/>
@@ -11081,7 +11387,6 @@
               <a:rPr lang="zh-CN" altLang="en-US" dirty="0" smtClean="0"/>
               <a:t>$ webpack -p//压缩混淆脚本，这个非常非常重要！</a:t>
             </a:r>
-            <a:endParaRPr lang="zh-CN" altLang="en-US" dirty="0" smtClean="0"/>
           </a:p>
           <a:p>
             <a:endParaRPr lang="zh-CN" altLang="en-US" dirty="0" smtClean="0"/>
@@ -11091,21 +11396,18 @@
               <a:rPr lang="zh-CN" altLang="en-US" dirty="0" smtClean="0"/>
               <a:t>$ webpack -d//生成map映射文件，告知哪些模块被最终打包到哪里了其中的 </a:t>
             </a:r>
-            <a:endParaRPr lang="zh-CN" altLang="en-US" dirty="0" smtClean="0"/>
           </a:p>
           <a:p>
             <a:r>
               <a:rPr lang="zh-CN" altLang="en-US" dirty="0" smtClean="0"/>
               <a:t>$ webpack --progress //显示进度条</a:t>
             </a:r>
-            <a:endParaRPr lang="zh-CN" altLang="en-US" dirty="0" smtClean="0"/>
           </a:p>
           <a:p>
             <a:r>
               <a:rPr lang="zh-CN" altLang="en-US" dirty="0" smtClean="0"/>
               <a:t>$ webpack --color //添加颜色</a:t>
             </a:r>
-            <a:endParaRPr lang="zh-CN" altLang="en-US" dirty="0" smtClean="0"/>
           </a:p>
         </p:txBody>
       </p:sp>
@@ -11150,10 +11452,10 @@
           <p:nvPr/>
         </p:nvPicPr>
         <p:blipFill>
-          <a:blip r:embed="rId1">
+          <a:blip r:embed="rId3">
             <a:extLst>
               <a:ext uri="{28A0092B-C50C-407E-A947-70E740481C1C}">
-                <a14:useLocalDpi xmlns:a14="http://schemas.microsoft.com/office/drawing/2010/main" val="0"/>
+                <a14:useLocalDpi xmlns:a14="http://schemas.microsoft.com/office/drawing/2010/main" xmlns="" val="0"/>
               </a:ext>
             </a:extLst>
           </a:blip>
@@ -11247,7 +11549,6 @@
               <a:rPr lang="en-US" altLang="zh-CN" dirty="0" smtClean="0"/>
               <a:t>	webpack(webpackConfig, function (err, stats) {</a:t>
             </a:r>
-            <a:endParaRPr lang="en-US" altLang="zh-CN" dirty="0" smtClean="0"/>
           </a:p>
           <a:p>
             <a:pPr lvl="1"/>
@@ -11255,7 +11556,6 @@
               <a:rPr lang="en-US" altLang="zh-CN" dirty="0" smtClean="0"/>
               <a:t>    spinner.stop()</a:t>
             </a:r>
-            <a:endParaRPr lang="en-US" altLang="zh-CN" dirty="0" smtClean="0"/>
           </a:p>
           <a:p>
             <a:pPr lvl="1"/>
@@ -11263,7 +11563,6 @@
               <a:rPr lang="en-US" altLang="zh-CN" dirty="0" smtClean="0"/>
               <a:t>    if (err) throw err</a:t>
             </a:r>
-            <a:endParaRPr lang="en-US" altLang="zh-CN" dirty="0" smtClean="0"/>
           </a:p>
           <a:p>
             <a:pPr lvl="1"/>
@@ -11271,7 +11570,6 @@
               <a:rPr lang="en-US" altLang="zh-CN" dirty="0" smtClean="0"/>
               <a:t>    process.stdout.write(stats.toString({</a:t>
             </a:r>
-            <a:endParaRPr lang="en-US" altLang="zh-CN" dirty="0" smtClean="0"/>
           </a:p>
           <a:p>
             <a:pPr lvl="1"/>
@@ -11279,7 +11577,6 @@
               <a:rPr lang="en-US" altLang="zh-CN" dirty="0" smtClean="0"/>
               <a:t>      colors: true,</a:t>
             </a:r>
-            <a:endParaRPr lang="en-US" altLang="zh-CN" dirty="0" smtClean="0"/>
           </a:p>
           <a:p>
             <a:pPr lvl="1"/>
@@ -11287,7 +11584,6 @@
               <a:rPr lang="en-US" altLang="zh-CN" dirty="0" smtClean="0"/>
               <a:t>      modules: false,</a:t>
             </a:r>
-            <a:endParaRPr lang="en-US" altLang="zh-CN" dirty="0" smtClean="0"/>
           </a:p>
           <a:p>
             <a:pPr lvl="1"/>
@@ -11295,7 +11591,6 @@
               <a:rPr lang="en-US" altLang="zh-CN" dirty="0" smtClean="0"/>
               <a:t>      children: false,</a:t>
             </a:r>
-            <a:endParaRPr lang="en-US" altLang="zh-CN" dirty="0" smtClean="0"/>
           </a:p>
           <a:p>
             <a:pPr lvl="1"/>
@@ -11303,7 +11598,6 @@
               <a:rPr lang="en-US" altLang="zh-CN" dirty="0" smtClean="0"/>
               <a:t>      chunks: false,</a:t>
             </a:r>
-            <a:endParaRPr lang="en-US" altLang="zh-CN" dirty="0" smtClean="0"/>
           </a:p>
           <a:p>
             <a:pPr lvl="1"/>
@@ -11311,7 +11605,6 @@
               <a:rPr lang="en-US" altLang="zh-CN" dirty="0" smtClean="0"/>
               <a:t>      chunkModules: false</a:t>
             </a:r>
-            <a:endParaRPr lang="en-US" altLang="zh-CN" dirty="0" smtClean="0"/>
           </a:p>
           <a:p>
             <a:pPr lvl="1"/>
@@ -11319,7 +11612,6 @@
               <a:rPr lang="en-US" altLang="zh-CN" dirty="0" smtClean="0"/>
               <a:t>    }) + '\n\n')</a:t>
             </a:r>
-            <a:endParaRPr lang="en-US" altLang="zh-CN" dirty="0" smtClean="0"/>
           </a:p>
           <a:p>
             <a:r>
@@ -11334,7 +11626,6 @@
               <a:rPr lang="zh-CN" altLang="en-US" dirty="0" smtClean="0"/>
               <a:t>中运行的方法；比如会诊项目中的写法；</a:t>
             </a:r>
-            <a:endParaRPr lang="zh-CN" altLang="en-US" dirty="0" smtClean="0"/>
           </a:p>
         </p:txBody>
       </p:sp>
@@ -11379,10 +11670,10 @@
           <p:nvPr/>
         </p:nvPicPr>
         <p:blipFill>
-          <a:blip r:embed="rId1">
+          <a:blip r:embed="rId3">
             <a:extLst>
               <a:ext uri="{28A0092B-C50C-407E-A947-70E740481C1C}">
-                <a14:useLocalDpi xmlns:a14="http://schemas.microsoft.com/office/drawing/2010/main" val="0"/>
+                <a14:useLocalDpi xmlns:a14="http://schemas.microsoft.com/office/drawing/2010/main" xmlns="" val="0"/>
               </a:ext>
             </a:extLst>
           </a:blip>
@@ -11713,10 +12004,10 @@
           <p:nvPr/>
         </p:nvPicPr>
         <p:blipFill>
-          <a:blip r:embed="rId1">
+          <a:blip r:embed="rId3">
             <a:extLst>
               <a:ext uri="{28A0092B-C50C-407E-A947-70E740481C1C}">
-                <a14:useLocalDpi xmlns:a14="http://schemas.microsoft.com/office/drawing/2010/main" val="0"/>
+                <a14:useLocalDpi xmlns:a14="http://schemas.microsoft.com/office/drawing/2010/main" xmlns="" val="0"/>
               </a:ext>
             </a:extLst>
           </a:blip>
@@ -11777,14 +12068,6 @@
               </a:rPr>
               <a:t>路由的实现方式</a:t>
             </a:r>
-            <a:endParaRPr lang="zh-CN" altLang="en-US" sz="2400" b="1" dirty="0">
-              <a:solidFill>
-                <a:srgbClr val="156CBE"/>
-              </a:solidFill>
-              <a:latin typeface="方正兰亭超细黑简体" pitchFamily="2" charset="-122"/>
-              <a:ea typeface="方正兰亭超细黑简体" pitchFamily="2" charset="-122"/>
-              <a:sym typeface="方正兰亭超细黑简体" pitchFamily="2" charset="-122"/>
-            </a:endParaRPr>
           </a:p>
         </p:txBody>
       </p:sp>
@@ -11817,7 +12100,6 @@
               <a:rPr lang="zh-CN" altLang="en-US" dirty="0" smtClean="0"/>
               <a:t>参数：</a:t>
             </a:r>
-            <a:endParaRPr lang="zh-CN" altLang="en-US" dirty="0" smtClean="0"/>
           </a:p>
           <a:p>
             <a:r>
@@ -11828,36 +12110,24 @@
               <a:rPr lang="zh-CN" altLang="en-US" dirty="0" smtClean="0"/>
               <a:t>：入口，三种方式；满足不同的需求；</a:t>
             </a:r>
-            <a:endParaRPr lang="zh-CN" altLang="en-US" dirty="0" smtClean="0"/>
           </a:p>
           <a:p>
             <a:r>
               <a:rPr lang="zh-CN" altLang="en-US" dirty="0" smtClean="0"/>
               <a:t>第一种：一个字符串，入口文件；</a:t>
             </a:r>
-            <a:endParaRPr lang="zh-CN" altLang="en-US" dirty="0" smtClean="0"/>
           </a:p>
           <a:p>
             <a:r>
               <a:rPr lang="zh-CN" altLang="en-US" dirty="0" smtClean="0"/>
               <a:t>第二种：数组，两个平行的，互相依赖的文件打包到一起；</a:t>
             </a:r>
-            <a:endParaRPr lang="zh-CN" altLang="en-US" dirty="0" smtClean="0"/>
           </a:p>
           <a:p>
             <a:r>
               <a:rPr lang="zh-CN" altLang="en-US" dirty="0" smtClean="0"/>
-              <a:t>第三种：传一个对象， 上面两种方式的融合（多页面应用</a:t>
-            </a:r>
-            <a:r>
-              <a:rPr lang="zh-CN" altLang="en-US" dirty="0" smtClean="0"/>
-              <a:t>），都可以传（我们现在配置的就是这种方式 </a:t>
-            </a:r>
-            <a:r>
-              <a:rPr lang="zh-CN" altLang="en-US" dirty="0" smtClean="0"/>
-              <a:t>）</a:t>
-            </a:r>
-            <a:endParaRPr lang="zh-CN" altLang="en-US" dirty="0" smtClean="0"/>
+              <a:t>第三种：传一个对象， 上面两种方式的融合（多页面应用），都可以传（我们现在配置的就是这种方式 ）</a:t>
+            </a:r>
           </a:p>
           <a:p>
             <a:r>
@@ -11868,7 +12138,6 @@
               <a:rPr lang="zh-CN" altLang="en-US" dirty="0" smtClean="0"/>
               <a:t>打包出来的文件名</a:t>
             </a:r>
-            <a:endParaRPr lang="zh-CN" altLang="en-US" dirty="0" smtClean="0"/>
           </a:p>
           <a:p>
             <a:r>
@@ -11879,7 +12148,6 @@
               <a:rPr lang="zh-CN" altLang="en-US" dirty="0" smtClean="0"/>
               <a:t>打包的路径</a:t>
             </a:r>
-            <a:endParaRPr lang="zh-CN" altLang="en-US" dirty="0" smtClean="0"/>
           </a:p>
           <a:p>
             <a:r>
@@ -11890,7 +12158,6 @@
               <a:rPr lang="zh-CN" altLang="en-US" dirty="0" smtClean="0"/>
               <a:t>：配置插件；</a:t>
             </a:r>
-            <a:endParaRPr lang="zh-CN" altLang="en-US" dirty="0" smtClean="0"/>
           </a:p>
         </p:txBody>
       </p:sp>
@@ -11935,10 +12202,10 @@
           <p:nvPr/>
         </p:nvPicPr>
         <p:blipFill>
-          <a:blip r:embed="rId1">
+          <a:blip r:embed="rId3">
             <a:extLst>
               <a:ext uri="{28A0092B-C50C-407E-A947-70E740481C1C}">
-                <a14:useLocalDpi xmlns:a14="http://schemas.microsoft.com/office/drawing/2010/main" val="0"/>
+                <a14:useLocalDpi xmlns:a14="http://schemas.microsoft.com/office/drawing/2010/main" xmlns="" val="0"/>
               </a:ext>
             </a:extLst>
           </a:blip>
@@ -12267,10 +12534,10 @@
           <p:nvPr/>
         </p:nvPicPr>
         <p:blipFill>
-          <a:blip r:embed="rId1">
+          <a:blip r:embed="rId3">
             <a:extLst>
               <a:ext uri="{28A0092B-C50C-407E-A947-70E740481C1C}">
-                <a14:useLocalDpi xmlns:a14="http://schemas.microsoft.com/office/drawing/2010/main" val="0"/>
+                <a14:useLocalDpi xmlns:a14="http://schemas.microsoft.com/office/drawing/2010/main" xmlns="" val="0"/>
               </a:ext>
             </a:extLst>
           </a:blip>
@@ -12370,7 +12637,6 @@
               <a:rPr lang="zh-CN" altLang="en-US" dirty="0" smtClean="0"/>
               <a:t>插件：</a:t>
             </a:r>
-            <a:endParaRPr lang="zh-CN" altLang="en-US" dirty="0" smtClean="0"/>
           </a:p>
           <a:p>
             <a:r>
@@ -12393,7 +12659,6 @@
               <a:rPr lang="zh-CN" altLang="en-US" dirty="0" smtClean="0"/>
               <a:t>中</a:t>
             </a:r>
-            <a:endParaRPr lang="zh-CN" altLang="en-US" dirty="0" smtClean="0"/>
           </a:p>
           <a:p>
             <a:r>
@@ -12402,9 +12667,6 @@
               </a:rPr>
               <a:t>html-webpack-plugin  的参数</a:t>
             </a:r>
-            <a:endParaRPr lang="zh-CN" altLang="en-US" dirty="0" smtClean="0">
-              <a:sym typeface="+mn-ea"/>
-            </a:endParaRPr>
           </a:p>
           <a:p>
             <a:r>
@@ -12431,9 +12693,6 @@
               </a:rPr>
               <a:t>的模板</a:t>
             </a:r>
-            <a:endParaRPr lang="zh-CN" altLang="en-US" dirty="0" smtClean="0">
-              <a:sym typeface="+mn-ea"/>
-            </a:endParaRPr>
           </a:p>
           <a:p>
             <a:r>
@@ -12458,17 +12717,8 @@
               <a:rPr lang="zh-CN" altLang="en-US" dirty="0" smtClean="0">
                 <a:sym typeface="+mn-ea"/>
               </a:rPr>
-              <a:t>生成的文件名称</a:t>
-            </a:r>
-            <a:r>
-              <a:rPr lang="zh-CN" altLang="en-US" dirty="0" smtClean="0">
-                <a:sym typeface="+mn-ea"/>
-              </a:rPr>
-              <a:t>；</a:t>
-            </a:r>
-            <a:endParaRPr lang="zh-CN" altLang="en-US" dirty="0" smtClean="0">
-              <a:sym typeface="+mn-ea"/>
-            </a:endParaRPr>
+              <a:t>生成的文件名称；</a:t>
+            </a:r>
           </a:p>
           <a:p>
             <a:r>
@@ -12519,9 +12769,6 @@
               </a:rPr>
               <a:t>）</a:t>
             </a:r>
-            <a:endParaRPr lang="zh-CN" altLang="en-US" dirty="0" smtClean="0">
-              <a:sym typeface="+mn-ea"/>
-            </a:endParaRPr>
           </a:p>
           <a:p>
             <a:r>
@@ -12548,9 +12795,6 @@
               </a:rPr>
               <a:t>像模板里面传参</a:t>
             </a:r>
-            <a:endParaRPr lang="zh-CN" altLang="en-US" dirty="0" smtClean="0">
-              <a:sym typeface="+mn-ea"/>
-            </a:endParaRPr>
           </a:p>
           <a:p>
             <a:endParaRPr lang="zh-CN" altLang="en-US" dirty="0" smtClean="0">
@@ -12569,9 +12813,6 @@
               </a:rPr>
               <a:t>	</a:t>
             </a:r>
-            <a:endParaRPr lang="en-US" altLang="zh-CN" dirty="0" smtClean="0">
-              <a:sym typeface="+mn-ea"/>
-            </a:endParaRPr>
           </a:p>
         </p:txBody>
       </p:sp>
@@ -12584,7 +12825,7 @@
           <p:nvPr/>
         </p:nvPicPr>
         <p:blipFill>
-          <a:blip r:embed="rId2"/>
+          <a:blip r:embed="rId4"/>
           <a:stretch>
             <a:fillRect/>
           </a:stretch>
@@ -12608,7 +12849,7 @@
           <p:nvPr/>
         </p:nvPicPr>
         <p:blipFill>
-          <a:blip r:embed="rId3"/>
+          <a:blip r:embed="rId5"/>
           <a:stretch>
             <a:fillRect/>
           </a:stretch>
@@ -12954,9 +13195,10 @@
       </a:style>
     </a:lnDef>
   </a:objectDefaults>
+  <a:extraClrSchemeLst/>
   <a:extLst>
     <a:ext uri="{05A4C25C-085E-4340-85A3-A5531E510DB2}">
-      <thm15:themeFamily xmlns:thm15="http://schemas.microsoft.com/office/thememl/2012/main" name="Office Theme" id="{62F939B6-93AF-4DB8-9C6B-D6C7DFDC589F}" vid="{4A3C46E8-61CC-4603-A589-7422A47A8E4A}"/>
+      <thm15:themeFamily xmlns:thm15="http://schemas.microsoft.com/office/thememl/2012/main" xmlns="" name="Office Theme" id="{62F939B6-93AF-4DB8-9C6B-D6C7DFDC589F}" vid="{4A3C46E8-61CC-4603-A589-7422A47A8E4A}"/>
     </a:ext>
   </a:extLst>
 </a:theme>
@@ -13213,9 +13455,11 @@
       </a:bgFillStyleLst>
     </a:fmtScheme>
   </a:themeElements>
+  <a:objectDefaults/>
+  <a:extraClrSchemeLst/>
   <a:extLst>
     <a:ext uri="{05A4C25C-085E-4340-85A3-A5531E510DB2}">
-      <thm15:themeFamily xmlns:thm15="http://schemas.microsoft.com/office/thememl/2012/main" name="Office Theme" id="{62F939B6-93AF-4DB8-9C6B-D6C7DFDC589F}" vid="{4A3C46E8-61CC-4603-A589-7422A47A8E4A}"/>
+      <thm15:themeFamily xmlns:thm15="http://schemas.microsoft.com/office/thememl/2012/main" xmlns="" name="Office Theme" id="{62F939B6-93AF-4DB8-9C6B-D6C7DFDC589F}" vid="{4A3C46E8-61CC-4603-A589-7422A47A8E4A}"/>
     </a:ext>
   </a:extLst>
 </a:theme>

--- a/20170609-李晨阳-前端路由机制的实现.pptx
+++ b/20170609-李晨阳-前端路由机制的实现.pptx
@@ -216,7 +216,7 @@
             <a:fld id="{E519FDC1-849A-4786-91B2-E9B7941B1978}" type="datetimeFigureOut">
               <a:rPr lang="zh-CN" altLang="en-US" smtClean="0"/>
               <a:pPr/>
-              <a:t>2017/11/19</a:t>
+              <a:t>2017/11/21</a:t>
             </a:fld>
             <a:endParaRPr lang="zh-CN" altLang="en-US"/>
           </a:p>
@@ -2502,7 +2502,7 @@
             <a:fld id="{2E571772-1647-9049-B992-899B6557F886}" type="datetimeFigureOut">
               <a:rPr kumimoji="1" lang="zh-CN" altLang="en-US" smtClean="0"/>
               <a:pPr/>
-              <a:t>2017/11/19</a:t>
+              <a:t>2017/11/21</a:t>
             </a:fld>
             <a:endParaRPr kumimoji="1" lang="zh-CN" altLang="en-US"/>
           </a:p>
@@ -2669,7 +2669,7 @@
             <a:fld id="{2E571772-1647-9049-B992-899B6557F886}" type="datetimeFigureOut">
               <a:rPr kumimoji="1" lang="zh-CN" altLang="en-US" smtClean="0"/>
               <a:pPr/>
-              <a:t>2017/11/19</a:t>
+              <a:t>2017/11/21</a:t>
             </a:fld>
             <a:endParaRPr kumimoji="1" lang="zh-CN" altLang="en-US"/>
           </a:p>
@@ -2846,7 +2846,7 @@
             <a:fld id="{2E571772-1647-9049-B992-899B6557F886}" type="datetimeFigureOut">
               <a:rPr kumimoji="1" lang="zh-CN" altLang="en-US" smtClean="0"/>
               <a:pPr/>
-              <a:t>2017/11/19</a:t>
+              <a:t>2017/11/21</a:t>
             </a:fld>
             <a:endParaRPr kumimoji="1" lang="zh-CN" altLang="en-US"/>
           </a:p>
@@ -3013,7 +3013,7 @@
             <a:fld id="{2E571772-1647-9049-B992-899B6557F886}" type="datetimeFigureOut">
               <a:rPr kumimoji="1" lang="zh-CN" altLang="en-US" smtClean="0"/>
               <a:pPr/>
-              <a:t>2017/11/19</a:t>
+              <a:t>2017/11/21</a:t>
             </a:fld>
             <a:endParaRPr kumimoji="1" lang="zh-CN" altLang="en-US"/>
           </a:p>
@@ -3256,7 +3256,7 @@
             <a:fld id="{2E571772-1647-9049-B992-899B6557F886}" type="datetimeFigureOut">
               <a:rPr kumimoji="1" lang="zh-CN" altLang="en-US" smtClean="0"/>
               <a:pPr/>
-              <a:t>2017/11/19</a:t>
+              <a:t>2017/11/21</a:t>
             </a:fld>
             <a:endParaRPr kumimoji="1" lang="zh-CN" altLang="en-US"/>
           </a:p>
@@ -3541,7 +3541,7 @@
             <a:fld id="{2E571772-1647-9049-B992-899B6557F886}" type="datetimeFigureOut">
               <a:rPr kumimoji="1" lang="zh-CN" altLang="en-US" smtClean="0"/>
               <a:pPr/>
-              <a:t>2017/11/19</a:t>
+              <a:t>2017/11/21</a:t>
             </a:fld>
             <a:endParaRPr kumimoji="1" lang="zh-CN" altLang="en-US"/>
           </a:p>
@@ -3965,7 +3965,7 @@
             <a:fld id="{2E571772-1647-9049-B992-899B6557F886}" type="datetimeFigureOut">
               <a:rPr kumimoji="1" lang="zh-CN" altLang="en-US" smtClean="0"/>
               <a:pPr/>
-              <a:t>2017/11/19</a:t>
+              <a:t>2017/11/21</a:t>
             </a:fld>
             <a:endParaRPr kumimoji="1" lang="zh-CN" altLang="en-US"/>
           </a:p>
@@ -4080,7 +4080,7 @@
             <a:fld id="{2E571772-1647-9049-B992-899B6557F886}" type="datetimeFigureOut">
               <a:rPr kumimoji="1" lang="zh-CN" altLang="en-US" smtClean="0"/>
               <a:pPr/>
-              <a:t>2017/11/19</a:t>
+              <a:t>2017/11/21</a:t>
             </a:fld>
             <a:endParaRPr kumimoji="1" lang="zh-CN" altLang="en-US"/>
           </a:p>
@@ -4172,7 +4172,7 @@
             <a:fld id="{2E571772-1647-9049-B992-899B6557F886}" type="datetimeFigureOut">
               <a:rPr kumimoji="1" lang="zh-CN" altLang="en-US" smtClean="0"/>
               <a:pPr/>
-              <a:t>2017/11/19</a:t>
+              <a:t>2017/11/21</a:t>
             </a:fld>
             <a:endParaRPr kumimoji="1" lang="zh-CN" altLang="en-US"/>
           </a:p>
@@ -4446,7 +4446,7 @@
             <a:fld id="{2E571772-1647-9049-B992-899B6557F886}" type="datetimeFigureOut">
               <a:rPr kumimoji="1" lang="zh-CN" altLang="en-US" smtClean="0"/>
               <a:pPr/>
-              <a:t>2017/11/19</a:t>
+              <a:t>2017/11/21</a:t>
             </a:fld>
             <a:endParaRPr kumimoji="1" lang="zh-CN" altLang="en-US"/>
           </a:p>
@@ -4696,7 +4696,7 @@
             <a:fld id="{2E571772-1647-9049-B992-899B6557F886}" type="datetimeFigureOut">
               <a:rPr kumimoji="1" lang="zh-CN" altLang="en-US" smtClean="0"/>
               <a:pPr/>
-              <a:t>2017/11/19</a:t>
+              <a:t>2017/11/21</a:t>
             </a:fld>
             <a:endParaRPr kumimoji="1" lang="zh-CN" altLang="en-US"/>
           </a:p>
@@ -4906,7 +4906,7 @@
             <a:fld id="{2E571772-1647-9049-B992-899B6557F886}" type="datetimeFigureOut">
               <a:rPr kumimoji="1" lang="zh-CN" altLang="en-US" smtClean="0"/>
               <a:pPr/>
-              <a:t>2017/11/19</a:t>
+              <a:t>2017/11/21</a:t>
             </a:fld>
             <a:endParaRPr kumimoji="1" lang="zh-CN" altLang="en-US"/>
           </a:p>
@@ -5308,7 +5308,7 @@
           <a:blip r:embed="rId3">
             <a:extLst>
               <a:ext uri="{28A0092B-C50C-407E-A947-70E740481C1C}">
-                <a14:useLocalDpi xmlns:a14="http://schemas.microsoft.com/office/drawing/2010/main" xmlns="" val="0"/>
+                <a14:useLocalDpi xmlns="" xmlns:a14="http://schemas.microsoft.com/office/drawing/2010/main" val="0"/>
               </a:ext>
             </a:extLst>
           </a:blip>
@@ -5390,7 +5390,7 @@
           <a:blip r:embed="rId4">
             <a:extLst>
               <a:ext uri="{28A0092B-C50C-407E-A947-70E740481C1C}">
-                <a14:useLocalDpi xmlns:a14="http://schemas.microsoft.com/office/drawing/2010/main" xmlns="" val="0"/>
+                <a14:useLocalDpi xmlns="" xmlns:a14="http://schemas.microsoft.com/office/drawing/2010/main" val="0"/>
               </a:ext>
             </a:extLst>
           </a:blip>
@@ -5626,7 +5626,7 @@
           <a:blip r:embed="rId3">
             <a:extLst>
               <a:ext uri="{28A0092B-C50C-407E-A947-70E740481C1C}">
-                <a14:useLocalDpi xmlns:a14="http://schemas.microsoft.com/office/drawing/2010/main" xmlns="" val="0"/>
+                <a14:useLocalDpi xmlns="" xmlns:a14="http://schemas.microsoft.com/office/drawing/2010/main" val="0"/>
               </a:ext>
             </a:extLst>
           </a:blip>
@@ -5982,7 +5982,7 @@
           <a:blip r:embed="rId3">
             <a:extLst>
               <a:ext uri="{28A0092B-C50C-407E-A947-70E740481C1C}">
-                <a14:useLocalDpi xmlns:a14="http://schemas.microsoft.com/office/drawing/2010/main" xmlns="" val="0"/>
+                <a14:useLocalDpi xmlns="" xmlns:a14="http://schemas.microsoft.com/office/drawing/2010/main" val="0"/>
               </a:ext>
             </a:extLst>
           </a:blip>
@@ -6077,7 +6077,7 @@
         <p:spPr>
           <a:xfrm>
             <a:off x="169333" y="934640"/>
-            <a:ext cx="8974667" cy="3970318"/>
+            <a:ext cx="8974667" cy="3693319"/>
           </a:xfrm>
           <a:prstGeom prst="rect">
             <a:avLst/>
@@ -6091,11 +6091,7 @@
           <a:p>
             <a:r>
               <a:rPr lang="en-US" altLang="zh-CN" dirty="0" smtClean="0"/>
-              <a:t>	</a:t>
-            </a:r>
-            <a:r>
-              <a:rPr lang="en-US" altLang="zh-CN" dirty="0" smtClean="0"/>
-              <a:t>loader  </a:t>
+              <a:t>	loader  </a:t>
             </a:r>
             <a:r>
               <a:rPr lang="zh-CN" altLang="en-US" dirty="0" smtClean="0"/>
@@ -6106,11 +6102,7 @@
           <a:p>
             <a:r>
               <a:rPr lang="en-US" altLang="zh-CN" dirty="0" smtClean="0"/>
-              <a:t>	</a:t>
-            </a:r>
-            <a:r>
-              <a:rPr lang="en-US" altLang="zh-CN" dirty="0" smtClean="0"/>
-              <a:t>    loader</a:t>
+              <a:t>	    loader</a:t>
             </a:r>
             <a:r>
               <a:rPr lang="zh-CN" altLang="en-US" dirty="0" smtClean="0"/>
@@ -6133,11 +6125,7 @@
           <a:p>
             <a:r>
               <a:rPr lang="en-US" altLang="zh-CN" dirty="0" smtClean="0"/>
-              <a:t>	</a:t>
-            </a:r>
-            <a:r>
-              <a:rPr lang="en-US" altLang="zh-CN" dirty="0" smtClean="0"/>
-              <a:t>loader </a:t>
+              <a:t>	loader </a:t>
             </a:r>
             <a:r>
               <a:rPr lang="zh-CN" altLang="en-US" dirty="0" smtClean="0"/>
@@ -6148,111 +6136,88 @@
           <a:p>
             <a:r>
               <a:rPr lang="en-US" altLang="zh-CN" dirty="0" smtClean="0"/>
+              <a:t>		1</a:t>
+            </a:r>
+            <a:r>
+              <a:rPr lang="zh-CN" altLang="en-US" dirty="0" smtClean="0"/>
+              <a:t>、可以串联；</a:t>
+            </a:r>
+            <a:endParaRPr lang="en-US" altLang="zh-CN" dirty="0" smtClean="0"/>
+          </a:p>
+          <a:p>
+            <a:r>
+              <a:rPr lang="en-US" altLang="zh-CN" dirty="0" smtClean="0"/>
+              <a:t>	2</a:t>
+            </a:r>
+            <a:r>
+              <a:rPr lang="zh-CN" altLang="en-US" dirty="0" smtClean="0"/>
+              <a:t>、可以同步，异步</a:t>
+            </a:r>
+            <a:endParaRPr lang="en-US" altLang="zh-CN" dirty="0" smtClean="0"/>
+          </a:p>
+          <a:p>
+            <a:r>
+              <a:rPr lang="en-US" altLang="zh-CN" dirty="0" smtClean="0"/>
+              <a:t>	3</a:t>
+            </a:r>
+            <a:r>
+              <a:rPr lang="zh-CN" altLang="en-US" dirty="0" smtClean="0"/>
+              <a:t>、在</a:t>
+            </a:r>
+            <a:r>
+              <a:rPr lang="en-US" altLang="zh-CN" dirty="0" smtClean="0"/>
+              <a:t>node</a:t>
+            </a:r>
+            <a:r>
+              <a:rPr lang="zh-CN" altLang="en-US" dirty="0" smtClean="0"/>
+              <a:t>环境下运行</a:t>
+            </a:r>
+            <a:endParaRPr lang="en-US" altLang="zh-CN" dirty="0" smtClean="0"/>
+          </a:p>
+          <a:p>
+            <a:r>
+              <a:rPr lang="en-US" altLang="zh-CN" dirty="0" smtClean="0"/>
+              <a:t>	4</a:t>
+            </a:r>
+            <a:r>
+              <a:rPr lang="zh-CN" altLang="en-US" dirty="0" smtClean="0"/>
+              <a:t>、可以提供参数；</a:t>
+            </a:r>
+            <a:endParaRPr lang="en-US" altLang="zh-CN" dirty="0" smtClean="0"/>
+          </a:p>
+          <a:p>
+            <a:r>
+              <a:rPr lang="en-US" altLang="zh-CN" dirty="0" smtClean="0"/>
               <a:t>	</a:t>
             </a:r>
+            <a:r>
+              <a:rPr lang="en-US" altLang="zh-CN" dirty="0" smtClean="0"/>
+              <a:t>5</a:t>
+            </a:r>
+            <a:r>
+              <a:rPr lang="zh-CN" altLang="en-US" dirty="0" smtClean="0"/>
+              <a:t>、从右到左执行</a:t>
+            </a:r>
+            <a:endParaRPr lang="en-US" altLang="zh-CN" dirty="0" smtClean="0"/>
+          </a:p>
+          <a:p>
+            <a:r>
+              <a:rPr lang="en-US" altLang="zh-CN" dirty="0" smtClean="0"/>
+              <a:t>	loader </a:t>
+            </a:r>
+            <a:r>
+              <a:rPr lang="zh-CN" altLang="en-US" dirty="0" smtClean="0"/>
+              <a:t>的使用方式：</a:t>
+            </a:r>
+            <a:endParaRPr lang="en-US" altLang="zh-CN" dirty="0" smtClean="0"/>
+          </a:p>
+          <a:p>
             <a:r>
               <a:rPr lang="en-US" altLang="zh-CN" dirty="0" smtClean="0"/>
               <a:t>	1</a:t>
             </a:r>
             <a:r>
               <a:rPr lang="zh-CN" altLang="en-US" dirty="0" smtClean="0"/>
-              <a:t>、可以串联；</a:t>
-            </a:r>
-            <a:endParaRPr lang="en-US" altLang="zh-CN" dirty="0" smtClean="0"/>
-          </a:p>
-          <a:p>
-            <a:r>
-              <a:rPr lang="en-US" altLang="zh-CN" dirty="0" smtClean="0"/>
-              <a:t>	</a:t>
-            </a:r>
-            <a:r>
-              <a:rPr lang="en-US" altLang="zh-CN" dirty="0" smtClean="0"/>
-              <a:t>2</a:t>
-            </a:r>
-            <a:r>
-              <a:rPr lang="zh-CN" altLang="en-US" dirty="0" smtClean="0"/>
-              <a:t>、可以同步，异步</a:t>
-            </a:r>
-            <a:endParaRPr lang="en-US" altLang="zh-CN" dirty="0" smtClean="0"/>
-          </a:p>
-          <a:p>
-            <a:r>
-              <a:rPr lang="en-US" altLang="zh-CN" dirty="0" smtClean="0"/>
-              <a:t>	</a:t>
-            </a:r>
-            <a:r>
-              <a:rPr lang="en-US" altLang="zh-CN" dirty="0" smtClean="0"/>
-              <a:t>3</a:t>
-            </a:r>
-            <a:r>
-              <a:rPr lang="zh-CN" altLang="en-US" dirty="0" smtClean="0"/>
-              <a:t>、在</a:t>
-            </a:r>
-            <a:r>
-              <a:rPr lang="en-US" altLang="zh-CN" dirty="0" smtClean="0"/>
-              <a:t>node</a:t>
-            </a:r>
-            <a:r>
-              <a:rPr lang="zh-CN" altLang="en-US" dirty="0" smtClean="0"/>
-              <a:t>环境下运行</a:t>
-            </a:r>
-            <a:endParaRPr lang="en-US" altLang="zh-CN" dirty="0" smtClean="0"/>
-          </a:p>
-          <a:p>
-            <a:r>
-              <a:rPr lang="en-US" altLang="zh-CN" dirty="0" smtClean="0"/>
-              <a:t>	</a:t>
-            </a:r>
-            <a:r>
-              <a:rPr lang="en-US" altLang="zh-CN" dirty="0" smtClean="0"/>
-              <a:t>4</a:t>
-            </a:r>
-            <a:r>
-              <a:rPr lang="zh-CN" altLang="en-US" dirty="0" smtClean="0"/>
-              <a:t>、可以提供参数；</a:t>
-            </a:r>
-            <a:endParaRPr lang="en-US" altLang="zh-CN" dirty="0" smtClean="0"/>
-          </a:p>
-          <a:p>
-            <a:r>
-              <a:rPr lang="en-US" altLang="zh-CN" dirty="0" smtClean="0"/>
-              <a:t>	</a:t>
-            </a:r>
-            <a:r>
-              <a:rPr lang="en-US" altLang="zh-CN" dirty="0" smtClean="0"/>
-              <a:t>5</a:t>
-            </a:r>
-            <a:r>
-              <a:rPr lang="zh-CN" altLang="en-US" dirty="0" smtClean="0"/>
-              <a:t>、</a:t>
-            </a:r>
-            <a:endParaRPr lang="en-US" altLang="zh-CN" dirty="0" smtClean="0"/>
-          </a:p>
-          <a:p>
-            <a:endParaRPr lang="en-US" altLang="zh-CN" dirty="0" smtClean="0"/>
-          </a:p>
-          <a:p>
-            <a:r>
-              <a:rPr lang="en-US" altLang="zh-CN" dirty="0" smtClean="0"/>
-              <a:t>	loader </a:t>
-            </a:r>
-            <a:r>
-              <a:rPr lang="zh-CN" altLang="en-US" dirty="0" smtClean="0"/>
-              <a:t>的使用方式：</a:t>
-            </a:r>
-            <a:endParaRPr lang="en-US" altLang="zh-CN" dirty="0" smtClean="0"/>
-          </a:p>
-          <a:p>
-            <a:r>
-              <a:rPr lang="en-US" altLang="zh-CN" dirty="0" smtClean="0"/>
-              <a:t>	</a:t>
-            </a:r>
-            <a:r>
-              <a:rPr lang="en-US" altLang="zh-CN" dirty="0" smtClean="0"/>
-              <a:t>1</a:t>
-            </a:r>
-            <a:r>
-              <a:rPr lang="zh-CN" altLang="en-US" dirty="0" smtClean="0"/>
               <a:t>、在</a:t>
             </a:r>
             <a:r>
@@ -6268,11 +6233,7 @@
           <a:p>
             <a:r>
               <a:rPr lang="en-US" altLang="zh-CN" dirty="0" smtClean="0"/>
-              <a:t>	</a:t>
-            </a:r>
-            <a:r>
-              <a:rPr lang="en-US" altLang="zh-CN" dirty="0" smtClean="0"/>
-              <a:t>2</a:t>
+              <a:t>	2</a:t>
             </a:r>
             <a:r>
               <a:rPr lang="zh-CN" altLang="en-US" dirty="0" smtClean="0"/>
@@ -6283,11 +6244,7 @@
           <a:p>
             <a:r>
               <a:rPr lang="en-US" altLang="zh-CN" dirty="0" smtClean="0"/>
-              <a:t>	</a:t>
-            </a:r>
-            <a:r>
-              <a:rPr lang="en-US" altLang="zh-CN" dirty="0" smtClean="0"/>
-              <a:t>3</a:t>
+              <a:t>	3</a:t>
             </a:r>
             <a:r>
               <a:rPr lang="zh-CN" altLang="en-US" dirty="0" smtClean="0"/>
@@ -6306,11 +6263,7 @@
           <a:p>
             <a:r>
               <a:rPr lang="en-US" altLang="zh-CN" dirty="0" smtClean="0"/>
-              <a:t>	</a:t>
-            </a:r>
-            <a:r>
-              <a:rPr lang="en-US" altLang="zh-CN" dirty="0" smtClean="0"/>
-              <a:t>	</a:t>
+              <a:t>		</a:t>
             </a:r>
             <a:r>
               <a:rPr lang="zh-CN" altLang="en-US" dirty="0" smtClean="0"/>
@@ -6388,7 +6341,7 @@
           <a:blip r:embed="rId3">
             <a:extLst>
               <a:ext uri="{28A0092B-C50C-407E-A947-70E740481C1C}">
-                <a14:useLocalDpi xmlns:a14="http://schemas.microsoft.com/office/drawing/2010/main" xmlns="" val="0"/>
+                <a14:useLocalDpi xmlns="" xmlns:a14="http://schemas.microsoft.com/office/drawing/2010/main" val="0"/>
               </a:ext>
             </a:extLst>
           </a:blip>
@@ -6733,7 +6686,7 @@
           <a:blip r:embed="rId3">
             <a:extLst>
               <a:ext uri="{28A0092B-C50C-407E-A947-70E740481C1C}">
-                <a14:useLocalDpi xmlns:a14="http://schemas.microsoft.com/office/drawing/2010/main" xmlns="" val="0"/>
+                <a14:useLocalDpi xmlns="" xmlns:a14="http://schemas.microsoft.com/office/drawing/2010/main" val="0"/>
               </a:ext>
             </a:extLst>
           </a:blip>
@@ -6850,11 +6803,7 @@
           <a:p>
             <a:r>
               <a:rPr lang="en-US" altLang="zh-CN" sz="4400" dirty="0" smtClean="0"/>
-              <a:t>	</a:t>
-            </a:r>
-            <a:r>
-              <a:rPr lang="en-US" altLang="zh-CN" sz="4400" dirty="0" smtClean="0"/>
-              <a:t>1</a:t>
+              <a:t>	1</a:t>
             </a:r>
             <a:r>
               <a:rPr lang="zh-CN" altLang="en-US" sz="4400" dirty="0" smtClean="0"/>
@@ -6898,11 +6847,7 @@
           <a:p>
             <a:r>
               <a:rPr lang="en-US" altLang="zh-CN" sz="4400" dirty="0" smtClean="0"/>
-              <a:t>	</a:t>
-            </a:r>
-            <a:r>
-              <a:rPr lang="en-US" altLang="zh-CN" sz="4400" dirty="0" smtClean="0"/>
-              <a:t>2</a:t>
+              <a:t>	2</a:t>
             </a:r>
             <a:r>
               <a:rPr lang="zh-CN" altLang="en-US" sz="4400" dirty="0" smtClean="0"/>
@@ -6924,11 +6869,7 @@
           <a:p>
             <a:r>
               <a:rPr lang="en-US" altLang="zh-CN" sz="4400" dirty="0" smtClean="0"/>
-              <a:t>	</a:t>
-            </a:r>
-            <a:r>
-              <a:rPr lang="en-US" altLang="zh-CN" sz="4400" dirty="0" smtClean="0"/>
-              <a:t>3</a:t>
+              <a:t>	3</a:t>
             </a:r>
             <a:r>
               <a:rPr lang="zh-CN" altLang="en-US" sz="4400" dirty="0" smtClean="0"/>
@@ -6994,7 +6935,7 @@
           <a:blip r:embed="rId3">
             <a:extLst>
               <a:ext uri="{28A0092B-C50C-407E-A947-70E740481C1C}">
-                <a14:useLocalDpi xmlns:a14="http://schemas.microsoft.com/office/drawing/2010/main" xmlns="" val="0"/>
+                <a14:useLocalDpi xmlns="" xmlns:a14="http://schemas.microsoft.com/office/drawing/2010/main" val="0"/>
               </a:ext>
             </a:extLst>
           </a:blip>
@@ -7337,7 +7278,7 @@
           <a:blip r:embed="rId3">
             <a:extLst>
               <a:ext uri="{28A0092B-C50C-407E-A947-70E740481C1C}">
-                <a14:useLocalDpi xmlns:a14="http://schemas.microsoft.com/office/drawing/2010/main" xmlns="" val="0"/>
+                <a14:useLocalDpi xmlns="" xmlns:a14="http://schemas.microsoft.com/office/drawing/2010/main" val="0"/>
               </a:ext>
             </a:extLst>
           </a:blip>
@@ -7567,7 +7508,7 @@
           <a:blip r:embed="rId3">
             <a:extLst>
               <a:ext uri="{28A0092B-C50C-407E-A947-70E740481C1C}">
-                <a14:useLocalDpi xmlns:a14="http://schemas.microsoft.com/office/drawing/2010/main" xmlns="" val="0"/>
+                <a14:useLocalDpi xmlns="" xmlns:a14="http://schemas.microsoft.com/office/drawing/2010/main" val="0"/>
               </a:ext>
             </a:extLst>
           </a:blip>
@@ -7749,7 +7690,7 @@
           <a:blip r:embed="rId3">
             <a:extLst>
               <a:ext uri="{28A0092B-C50C-407E-A947-70E740481C1C}">
-                <a14:useLocalDpi xmlns:a14="http://schemas.microsoft.com/office/drawing/2010/main" xmlns="" val="0"/>
+                <a14:useLocalDpi xmlns="" xmlns:a14="http://schemas.microsoft.com/office/drawing/2010/main" val="0"/>
               </a:ext>
             </a:extLst>
           </a:blip>
@@ -8101,7 +8042,7 @@
           <a:blip r:embed="rId3">
             <a:extLst>
               <a:ext uri="{28A0092B-C50C-407E-A947-70E740481C1C}">
-                <a14:useLocalDpi xmlns:a14="http://schemas.microsoft.com/office/drawing/2010/main" xmlns="" val="0"/>
+                <a14:useLocalDpi xmlns="" xmlns:a14="http://schemas.microsoft.com/office/drawing/2010/main" val="0"/>
               </a:ext>
             </a:extLst>
           </a:blip>
@@ -8434,7 +8375,7 @@
           <a:blip r:embed="rId3">
             <a:extLst>
               <a:ext uri="{28A0092B-C50C-407E-A947-70E740481C1C}">
-                <a14:useLocalDpi xmlns:a14="http://schemas.microsoft.com/office/drawing/2010/main" xmlns="" val="0"/>
+                <a14:useLocalDpi xmlns="" xmlns:a14="http://schemas.microsoft.com/office/drawing/2010/main" val="0"/>
               </a:ext>
             </a:extLst>
           </a:blip>
@@ -9492,7 +9433,7 @@
           <a:blip r:embed="rId3">
             <a:extLst>
               <a:ext uri="{28A0092B-C50C-407E-A947-70E740481C1C}">
-                <a14:useLocalDpi xmlns:a14="http://schemas.microsoft.com/office/drawing/2010/main" xmlns="" val="0"/>
+                <a14:useLocalDpi xmlns="" xmlns:a14="http://schemas.microsoft.com/office/drawing/2010/main" val="0"/>
               </a:ext>
             </a:extLst>
           </a:blip>
@@ -9901,7 +9842,7 @@
           <a:blip r:embed="rId3">
             <a:extLst>
               <a:ext uri="{28A0092B-C50C-407E-A947-70E740481C1C}">
-                <a14:useLocalDpi xmlns:a14="http://schemas.microsoft.com/office/drawing/2010/main" xmlns="" val="0"/>
+                <a14:useLocalDpi xmlns="" xmlns:a14="http://schemas.microsoft.com/office/drawing/2010/main" val="0"/>
               </a:ext>
             </a:extLst>
           </a:blip>
@@ -10187,7 +10128,7 @@
           <a:blip r:embed="rId3">
             <a:extLst>
               <a:ext uri="{28A0092B-C50C-407E-A947-70E740481C1C}">
-                <a14:useLocalDpi xmlns:a14="http://schemas.microsoft.com/office/drawing/2010/main" xmlns="" val="0"/>
+                <a14:useLocalDpi xmlns="" xmlns:a14="http://schemas.microsoft.com/office/drawing/2010/main" val="0"/>
               </a:ext>
             </a:extLst>
           </a:blip>
@@ -10520,7 +10461,7 @@
           <a:blip r:embed="rId3">
             <a:extLst>
               <a:ext uri="{28A0092B-C50C-407E-A947-70E740481C1C}">
-                <a14:useLocalDpi xmlns:a14="http://schemas.microsoft.com/office/drawing/2010/main" xmlns="" val="0"/>
+                <a14:useLocalDpi xmlns="" xmlns:a14="http://schemas.microsoft.com/office/drawing/2010/main" val="0"/>
               </a:ext>
             </a:extLst>
           </a:blip>
@@ -10718,7 +10659,7 @@
           <a:blip r:embed="rId2">
             <a:extLst>
               <a:ext uri="{28A0092B-C50C-407E-A947-70E740481C1C}">
-                <a14:useLocalDpi xmlns:a14="http://schemas.microsoft.com/office/drawing/2010/main" xmlns="" val="0"/>
+                <a14:useLocalDpi xmlns="" xmlns:a14="http://schemas.microsoft.com/office/drawing/2010/main" val="0"/>
               </a:ext>
             </a:extLst>
           </a:blip>
@@ -10811,7 +10752,7 @@
           <a:blip r:embed="rId3">
             <a:extLst>
               <a:ext uri="{28A0092B-C50C-407E-A947-70E740481C1C}">
-                <a14:useLocalDpi xmlns:a14="http://schemas.microsoft.com/office/drawing/2010/main" xmlns="" val="0"/>
+                <a14:useLocalDpi xmlns="" xmlns:a14="http://schemas.microsoft.com/office/drawing/2010/main" val="0"/>
               </a:ext>
             </a:extLst>
           </a:blip>
@@ -10873,7 +10814,7 @@
           <a:blip r:embed="rId3">
             <a:extLst>
               <a:ext uri="{28A0092B-C50C-407E-A947-70E740481C1C}">
-                <a14:useLocalDpi xmlns:a14="http://schemas.microsoft.com/office/drawing/2010/main" xmlns="" val="0"/>
+                <a14:useLocalDpi xmlns="" xmlns:a14="http://schemas.microsoft.com/office/drawing/2010/main" val="0"/>
               </a:ext>
             </a:extLst>
           </a:blip>
@@ -11238,7 +11179,7 @@
           <a:blip r:embed="rId3">
             <a:extLst>
               <a:ext uri="{28A0092B-C50C-407E-A947-70E740481C1C}">
-                <a14:useLocalDpi xmlns:a14="http://schemas.microsoft.com/office/drawing/2010/main" xmlns="" val="0"/>
+                <a14:useLocalDpi xmlns="" xmlns:a14="http://schemas.microsoft.com/office/drawing/2010/main" val="0"/>
               </a:ext>
             </a:extLst>
           </a:blip>
@@ -11455,7 +11396,7 @@
           <a:blip r:embed="rId3">
             <a:extLst>
               <a:ext uri="{28A0092B-C50C-407E-A947-70E740481C1C}">
-                <a14:useLocalDpi xmlns:a14="http://schemas.microsoft.com/office/drawing/2010/main" xmlns="" val="0"/>
+                <a14:useLocalDpi xmlns="" xmlns:a14="http://schemas.microsoft.com/office/drawing/2010/main" val="0"/>
               </a:ext>
             </a:extLst>
           </a:blip>
@@ -11673,7 +11614,7 @@
           <a:blip r:embed="rId3">
             <a:extLst>
               <a:ext uri="{28A0092B-C50C-407E-A947-70E740481C1C}">
-                <a14:useLocalDpi xmlns:a14="http://schemas.microsoft.com/office/drawing/2010/main" xmlns="" val="0"/>
+                <a14:useLocalDpi xmlns="" xmlns:a14="http://schemas.microsoft.com/office/drawing/2010/main" val="0"/>
               </a:ext>
             </a:extLst>
           </a:blip>
@@ -12007,7 +11948,7 @@
           <a:blip r:embed="rId3">
             <a:extLst>
               <a:ext uri="{28A0092B-C50C-407E-A947-70E740481C1C}">
-                <a14:useLocalDpi xmlns:a14="http://schemas.microsoft.com/office/drawing/2010/main" xmlns="" val="0"/>
+                <a14:useLocalDpi xmlns="" xmlns:a14="http://schemas.microsoft.com/office/drawing/2010/main" val="0"/>
               </a:ext>
             </a:extLst>
           </a:blip>
@@ -12205,7 +12146,7 @@
           <a:blip r:embed="rId3">
             <a:extLst>
               <a:ext uri="{28A0092B-C50C-407E-A947-70E740481C1C}">
-                <a14:useLocalDpi xmlns:a14="http://schemas.microsoft.com/office/drawing/2010/main" xmlns="" val="0"/>
+                <a14:useLocalDpi xmlns="" xmlns:a14="http://schemas.microsoft.com/office/drawing/2010/main" val="0"/>
               </a:ext>
             </a:extLst>
           </a:blip>
@@ -12537,7 +12478,7 @@
           <a:blip r:embed="rId3">
             <a:extLst>
               <a:ext uri="{28A0092B-C50C-407E-A947-70E740481C1C}">
-                <a14:useLocalDpi xmlns:a14="http://schemas.microsoft.com/office/drawing/2010/main" xmlns="" val="0"/>
+                <a14:useLocalDpi xmlns="" xmlns:a14="http://schemas.microsoft.com/office/drawing/2010/main" val="0"/>
               </a:ext>
             </a:extLst>
           </a:blip>
@@ -13198,7 +13139,7 @@
   <a:extraClrSchemeLst/>
   <a:extLst>
     <a:ext uri="{05A4C25C-085E-4340-85A3-A5531E510DB2}">
-      <thm15:themeFamily xmlns:thm15="http://schemas.microsoft.com/office/thememl/2012/main" xmlns="" name="Office Theme" id="{62F939B6-93AF-4DB8-9C6B-D6C7DFDC589F}" vid="{4A3C46E8-61CC-4603-A589-7422A47A8E4A}"/>
+      <thm15:themeFamily xmlns="" xmlns:thm15="http://schemas.microsoft.com/office/thememl/2012/main" name="Office Theme" id="{62F939B6-93AF-4DB8-9C6B-D6C7DFDC589F}" vid="{4A3C46E8-61CC-4603-A589-7422A47A8E4A}"/>
     </a:ext>
   </a:extLst>
 </a:theme>
@@ -13459,7 +13400,7 @@
   <a:extraClrSchemeLst/>
   <a:extLst>
     <a:ext uri="{05A4C25C-085E-4340-85A3-A5531E510DB2}">
-      <thm15:themeFamily xmlns:thm15="http://schemas.microsoft.com/office/thememl/2012/main" xmlns="" name="Office Theme" id="{62F939B6-93AF-4DB8-9C6B-D6C7DFDC589F}" vid="{4A3C46E8-61CC-4603-A589-7422A47A8E4A}"/>
+      <thm15:themeFamily xmlns="" xmlns:thm15="http://schemas.microsoft.com/office/thememl/2012/main" name="Office Theme" id="{62F939B6-93AF-4DB8-9C6B-D6C7DFDC589F}" vid="{4A3C46E8-61CC-4603-A589-7422A47A8E4A}"/>
     </a:ext>
   </a:extLst>
 </a:theme>
